--- a/PPT/DESIGN3.3 update workflow.pptx
+++ b/PPT/DESIGN3.3 update workflow.pptx
@@ -215,7 +215,7 @@
             <a:srgbClr val="A4A3A4"/>
           </p15:clr>
         </p15:guide>
-        <p15:guide id="4" orient="horz" pos="712" userDrawn="1">
+        <p15:guide id="4" orient="horz" pos="711" userDrawn="1">
           <p15:clr>
             <a:srgbClr val="A4A3A4"/>
           </p15:clr>
@@ -288,7 +288,7 @@
         </p:nvSpPr>
         <p:spPr>
           <a:xfrm>
-            <a:off x="1575375" y="2270077"/>
+            <a:off x="1575375" y="2270079"/>
             <a:ext cx="9452248" cy="1043495"/>
           </a:xfrm>
         </p:spPr>
@@ -661,7 +661,7 @@
         </p:nvSpPr>
         <p:spPr>
           <a:xfrm>
-            <a:off x="630150" y="173082"/>
+            <a:off x="630154" y="173082"/>
             <a:ext cx="8342637" cy="3687750"/>
           </a:xfrm>
         </p:spPr>
@@ -1000,7 +1000,7 @@
         </p:nvSpPr>
         <p:spPr>
           <a:xfrm>
-            <a:off x="859893" y="1077511"/>
+            <a:off x="859893" y="1077513"/>
             <a:ext cx="10870086" cy="1797853"/>
           </a:xfrm>
         </p:spPr>
@@ -1033,7 +1033,7 @@
         </p:nvSpPr>
         <p:spPr>
           <a:xfrm>
-            <a:off x="859893" y="2892374"/>
+            <a:off x="859893" y="2892376"/>
             <a:ext cx="10870086" cy="945448"/>
           </a:xfrm>
         </p:spPr>
@@ -1276,8 +1276,8 @@
         </p:nvSpPr>
         <p:spPr>
           <a:xfrm>
-            <a:off x="630150" y="1008478"/>
-            <a:ext cx="5557923" cy="2852354"/>
+            <a:off x="630154" y="1008477"/>
+            <a:ext cx="5557923" cy="2852355"/>
           </a:xfrm>
         </p:spPr>
         <p:txBody>
@@ -1337,8 +1337,8 @@
         </p:nvSpPr>
         <p:spPr>
           <a:xfrm>
-            <a:off x="6414926" y="1008478"/>
-            <a:ext cx="5557923" cy="2852354"/>
+            <a:off x="6414930" y="1008477"/>
+            <a:ext cx="5557923" cy="2852355"/>
           </a:xfrm>
         </p:spPr>
         <p:txBody>
@@ -1497,7 +1497,7 @@
         </p:nvSpPr>
         <p:spPr>
           <a:xfrm>
-            <a:off x="868097" y="230110"/>
+            <a:off x="868097" y="230112"/>
             <a:ext cx="10870086" cy="835397"/>
           </a:xfrm>
         </p:spPr>
@@ -1592,7 +1592,7 @@
         </p:nvSpPr>
         <p:spPr>
           <a:xfrm>
-            <a:off x="1226781" y="1679776"/>
+            <a:off x="1226781" y="1679777"/>
             <a:ext cx="5037864" cy="2221076"/>
           </a:xfrm>
         </p:spPr>
@@ -1719,7 +1719,7 @@
         </p:nvSpPr>
         <p:spPr>
           <a:xfrm>
-            <a:off x="6467863" y="1679776"/>
+            <a:off x="6467863" y="1679777"/>
             <a:ext cx="5062676" cy="2221076"/>
           </a:xfrm>
         </p:spPr>
@@ -2101,8 +2101,8 @@
         </p:nvSpPr>
         <p:spPr>
           <a:xfrm>
-            <a:off x="868097" y="288136"/>
-            <a:ext cx="4064795" cy="1008478"/>
+            <a:off x="868101" y="288135"/>
+            <a:ext cx="4064795" cy="1008479"/>
           </a:xfrm>
         </p:spPr>
         <p:txBody>
@@ -2134,7 +2134,7 @@
         </p:nvSpPr>
         <p:spPr>
           <a:xfrm>
-            <a:off x="5357916" y="622295"/>
+            <a:off x="5357916" y="622297"/>
             <a:ext cx="6380268" cy="3071459"/>
           </a:xfrm>
         </p:spPr>
@@ -2223,8 +2223,8 @@
         </p:nvSpPr>
         <p:spPr>
           <a:xfrm>
-            <a:off x="868097" y="1296615"/>
-            <a:ext cx="4064795" cy="2402140"/>
+            <a:off x="868101" y="1296616"/>
+            <a:ext cx="4064795" cy="2402141"/>
           </a:xfrm>
         </p:spPr>
         <p:txBody>
@@ -2388,8 +2388,8 @@
         </p:nvSpPr>
         <p:spPr>
           <a:xfrm>
-            <a:off x="868097" y="288136"/>
-            <a:ext cx="4305765" cy="1008478"/>
+            <a:off x="868101" y="288135"/>
+            <a:ext cx="4305765" cy="1008479"/>
           </a:xfrm>
         </p:spPr>
         <p:txBody>
@@ -2483,8 +2483,8 @@
         </p:nvSpPr>
         <p:spPr>
           <a:xfrm>
-            <a:off x="868097" y="1296615"/>
-            <a:ext cx="4305765" cy="2402140"/>
+            <a:off x="868101" y="1296616"/>
+            <a:ext cx="4305765" cy="2402141"/>
           </a:xfrm>
         </p:spPr>
         <p:txBody>
@@ -2692,7 +2692,7 @@
         </p:nvSpPr>
         <p:spPr>
           <a:xfrm>
-            <a:off x="629064" y="1007949"/>
+            <a:off x="629064" y="1007950"/>
             <a:ext cx="11343168" cy="2852364"/>
           </a:xfrm>
           <a:prstGeom prst="rect">
@@ -2760,7 +2760,7 @@
         </p:nvSpPr>
         <p:spPr>
           <a:xfrm>
-            <a:off x="629064" y="3936529"/>
+            <a:off x="629068" y="3936531"/>
             <a:ext cx="2940821" cy="299146"/>
           </a:xfrm>
           <a:prstGeom prst="rect">
@@ -2798,7 +2798,7 @@
         </p:nvSpPr>
         <p:spPr>
           <a:xfrm>
-            <a:off x="4305647" y="3936529"/>
+            <a:off x="4305647" y="3936531"/>
             <a:ext cx="3992227" cy="299146"/>
           </a:xfrm>
           <a:prstGeom prst="rect">
@@ -2836,7 +2836,7 @@
         </p:nvSpPr>
         <p:spPr>
           <a:xfrm>
-            <a:off x="9031411" y="3936529"/>
+            <a:off x="9031415" y="3936531"/>
             <a:ext cx="2940821" cy="299146"/>
           </a:xfrm>
           <a:prstGeom prst="rect">
@@ -3309,7 +3309,7 @@
         </p:nvSpPr>
         <p:spPr>
           <a:xfrm>
-            <a:off x="6517730" y="749233"/>
+            <a:off x="6517734" y="749237"/>
             <a:ext cx="5411219" cy="2656297"/>
           </a:xfrm>
           <a:prstGeom prst="roundRect">
@@ -3353,79 +3353,20 @@
           </a:p>
         </p:txBody>
       </p:sp>
-      <p:sp>
-        <p:nvSpPr>
-          <p:cNvPr id="95" name="流程图: 文档 94"/>
-          <p:cNvSpPr/>
-          <p:nvPr/>
-        </p:nvSpPr>
-        <p:spPr>
-          <a:xfrm>
-            <a:off x="703238" y="1261039"/>
-            <a:ext cx="1442362" cy="728980"/>
-          </a:xfrm>
-          <a:prstGeom prst="flowChartDocument">
-            <a:avLst/>
-          </a:prstGeom>
-          <a:solidFill>
-            <a:schemeClr val="bg1">
-              <a:lumMod val="75000"/>
-            </a:schemeClr>
-          </a:solidFill>
-          <a:ln>
-            <a:solidFill>
-              <a:schemeClr val="bg1">
-                <a:lumMod val="50000"/>
-              </a:schemeClr>
-            </a:solidFill>
-          </a:ln>
-        </p:spPr>
-        <p:style>
-          <a:lnRef idx="2">
-            <a:schemeClr val="accent1">
-              <a:shade val="50000"/>
-            </a:schemeClr>
-          </a:lnRef>
-          <a:fillRef idx="1">
-            <a:schemeClr val="accent1"/>
-          </a:fillRef>
-          <a:effectRef idx="0">
-            <a:schemeClr val="accent1"/>
-          </a:effectRef>
-          <a:fontRef idx="minor">
-            <a:schemeClr val="lt1"/>
-          </a:fontRef>
-        </p:style>
-        <p:txBody>
-          <a:bodyPr rtlCol="0" anchor="ctr" anchorCtr="0"/>
-          <a:lstStyle/>
-          <a:p>
-            <a:pPr algn="ctr"/>
-            <a:r>
-              <a:rPr lang="en-US" altLang="zh-CN" sz="1600" dirty="0">
-                <a:solidFill>
-                  <a:schemeClr val="tx1"/>
-                </a:solidFill>
-              </a:rPr>
-              <a:t>key class checker</a:t>
-            </a:r>
-          </a:p>
-        </p:txBody>
-      </p:sp>
       <p:cxnSp>
         <p:nvCxnSpPr>
           <p:cNvPr id="96" name="直接箭头连接符 95"/>
           <p:cNvCxnSpPr>
             <a:cxnSpLocks/>
-            <a:stCxn id="95" idx="2"/>
+            <a:stCxn id="2" idx="2"/>
             <a:endCxn id="30" idx="0"/>
           </p:cNvCxnSpPr>
           <p:nvPr/>
         </p:nvCxnSpPr>
         <p:spPr>
           <a:xfrm>
-            <a:off x="1424419" y="1941825"/>
-            <a:ext cx="0" cy="438988"/>
+            <a:off x="1372917" y="1617667"/>
+            <a:ext cx="0" cy="289466"/>
           </a:xfrm>
           <a:prstGeom prst="straightConnector1">
             <a:avLst/>
@@ -3456,57 +3397,13 @@
       </p:cxnSp>
       <p:sp>
         <p:nvSpPr>
-          <p:cNvPr id="98" name="文本框 97"/>
-          <p:cNvSpPr txBox="1"/>
-          <p:nvPr/>
-        </p:nvSpPr>
-        <p:spPr>
-          <a:xfrm>
-            <a:off x="1456149" y="2010642"/>
-            <a:ext cx="1600232" cy="246221"/>
-          </a:xfrm>
-          <a:prstGeom prst="rect">
-            <a:avLst/>
-          </a:prstGeom>
-          <a:noFill/>
-        </p:spPr>
-        <p:txBody>
-          <a:bodyPr wrap="square" lIns="0" tIns="0" rIns="0" bIns="0" rtlCol="0">
-            <a:spAutoFit/>
-          </a:bodyPr>
-          <a:lstStyle/>
-          <a:p>
-            <a:r>
-              <a:rPr lang="zh-CN" altLang="en-US" sz="1600" dirty="0">
-                <a:latin typeface="Calibri" panose="020F0502020204030204" charset="0"/>
-                <a:ea typeface="微软雅黑" panose="020B0503020204020204" charset="-122"/>
-              </a:rPr>
-              <a:t>❶ </a:t>
-            </a:r>
-            <a:r>
-              <a:rPr lang="en-US" altLang="zh-CN" sz="1600" dirty="0" err="1"/>
-              <a:t>class</a:t>
-            </a:r>
-            <a:r>
-              <a:rPr lang="en-US" altLang="zh-CN" sz="1600" baseline="-25000" dirty="0" err="1"/>
-              <a:t>k</a:t>
-            </a:r>
-            <a:r>
-              <a:rPr lang="en-US" altLang="zh-CN" sz="1600" dirty="0"/>
-              <a:t> = 2</a:t>
-            </a:r>
-          </a:p>
-        </p:txBody>
-      </p:sp>
-      <p:sp>
-        <p:nvSpPr>
           <p:cNvPr id="104" name="文本框 103"/>
           <p:cNvSpPr txBox="1"/>
           <p:nvPr/>
         </p:nvSpPr>
         <p:spPr>
           <a:xfrm>
-            <a:off x="8631144" y="3151896"/>
+            <a:off x="8631148" y="3151900"/>
             <a:ext cx="1466215" cy="215444"/>
           </a:xfrm>
           <a:prstGeom prst="rect">
@@ -3536,8 +3433,8 @@
         </p:nvSpPr>
         <p:spPr>
           <a:xfrm>
-            <a:off x="10807289" y="2513086"/>
-            <a:ext cx="471170" cy="316865"/>
+            <a:off x="10807293" y="2513090"/>
+            <a:ext cx="471170" cy="226216"/>
           </a:xfrm>
           <a:prstGeom prst="rect">
             <a:avLst/>
@@ -3545,14 +3442,14 @@
           <a:noFill/>
         </p:spPr>
         <p:txBody>
-          <a:bodyPr wrap="square" rtlCol="0">
+          <a:bodyPr wrap="square" lIns="0" tIns="0" rIns="0" bIns="0" rtlCol="0">
             <a:spAutoFit/>
           </a:bodyPr>
           <a:lstStyle/>
           <a:p>
             <a:pPr algn="ctr"/>
             <a:r>
-              <a:rPr lang="en-US" altLang="zh-CN" sz="1470"/>
+              <a:rPr lang="en-US" altLang="zh-CN" sz="1470" dirty="0"/>
               <a:t>...</a:t>
             </a:r>
           </a:p>
@@ -3566,7 +3463,7 @@
         </p:nvSpPr>
         <p:spPr>
           <a:xfrm>
-            <a:off x="6658199" y="2909473"/>
+            <a:off x="6658203" y="2909477"/>
             <a:ext cx="215900" cy="168910"/>
           </a:xfrm>
           <a:prstGeom prst="rect">
@@ -3596,7 +3493,7 @@
         </p:nvSpPr>
         <p:spPr>
           <a:xfrm>
-            <a:off x="6980779" y="2909473"/>
+            <a:off x="6980783" y="2909477"/>
             <a:ext cx="215900" cy="168910"/>
           </a:xfrm>
           <a:prstGeom prst="rect">
@@ -3632,7 +3529,7 @@
         </p:nvSpPr>
         <p:spPr>
           <a:xfrm>
-            <a:off x="7305264" y="2909473"/>
+            <a:off x="7305268" y="2909477"/>
             <a:ext cx="215900" cy="168910"/>
           </a:xfrm>
           <a:prstGeom prst="rect">
@@ -3668,7 +3565,7 @@
         </p:nvSpPr>
         <p:spPr>
           <a:xfrm>
-            <a:off x="7648164" y="2909473"/>
+            <a:off x="7648168" y="2909477"/>
             <a:ext cx="215900" cy="168910"/>
           </a:xfrm>
           <a:prstGeom prst="rect">
@@ -3704,7 +3601,7 @@
         </p:nvSpPr>
         <p:spPr>
           <a:xfrm>
-            <a:off x="7992334" y="2909473"/>
+            <a:off x="7992338" y="2909477"/>
             <a:ext cx="215900" cy="168910"/>
           </a:xfrm>
           <a:prstGeom prst="rect">
@@ -3740,7 +3637,7 @@
         </p:nvSpPr>
         <p:spPr>
           <a:xfrm>
-            <a:off x="8313644" y="2909473"/>
+            <a:off x="8313648" y="2909477"/>
             <a:ext cx="215900" cy="168910"/>
           </a:xfrm>
           <a:prstGeom prst="rect">
@@ -3776,7 +3673,7 @@
         </p:nvSpPr>
         <p:spPr>
           <a:xfrm>
-            <a:off x="8659719" y="2909473"/>
+            <a:off x="8659723" y="2909477"/>
             <a:ext cx="215900" cy="168910"/>
           </a:xfrm>
           <a:prstGeom prst="rect">
@@ -3812,7 +3709,7 @@
         </p:nvSpPr>
         <p:spPr>
           <a:xfrm>
-            <a:off x="8982934" y="2909473"/>
+            <a:off x="8982938" y="2909477"/>
             <a:ext cx="215900" cy="168910"/>
           </a:xfrm>
           <a:prstGeom prst="rect">
@@ -3848,7 +3745,7 @@
         </p:nvSpPr>
         <p:spPr>
           <a:xfrm>
-            <a:off x="9307419" y="2909473"/>
+            <a:off x="9307423" y="2909477"/>
             <a:ext cx="215900" cy="168910"/>
           </a:xfrm>
           <a:prstGeom prst="rect">
@@ -3884,7 +3781,7 @@
         </p:nvSpPr>
         <p:spPr>
           <a:xfrm>
-            <a:off x="9650954" y="2909473"/>
+            <a:off x="9650958" y="2909477"/>
             <a:ext cx="215900" cy="168910"/>
           </a:xfrm>
           <a:prstGeom prst="rect">
@@ -3920,7 +3817,7 @@
         </p:nvSpPr>
         <p:spPr>
           <a:xfrm>
-            <a:off x="9994489" y="2909473"/>
+            <a:off x="9994493" y="2909477"/>
             <a:ext cx="215900" cy="168910"/>
           </a:xfrm>
           <a:prstGeom prst="rect">
@@ -3956,7 +3853,7 @@
         </p:nvSpPr>
         <p:spPr>
           <a:xfrm>
-            <a:off x="10315799" y="2909473"/>
+            <a:off x="10315803" y="2909477"/>
             <a:ext cx="215900" cy="214625"/>
           </a:xfrm>
           <a:prstGeom prst="rect">
@@ -3992,7 +3889,7 @@
         </p:nvSpPr>
         <p:spPr>
           <a:xfrm>
-            <a:off x="10650444" y="2909473"/>
+            <a:off x="10650448" y="2909477"/>
             <a:ext cx="215900" cy="168910"/>
           </a:xfrm>
           <a:prstGeom prst="rect">
@@ -4028,7 +3925,7 @@
         </p:nvSpPr>
         <p:spPr>
           <a:xfrm>
-            <a:off x="11164794" y="2909473"/>
+            <a:off x="11164798" y="2909477"/>
             <a:ext cx="367665" cy="168910"/>
           </a:xfrm>
           <a:prstGeom prst="rect">
@@ -4064,7 +3961,7 @@
         </p:nvSpPr>
         <p:spPr>
           <a:xfrm>
-            <a:off x="11491184" y="2909473"/>
+            <a:off x="11491188" y="2909477"/>
             <a:ext cx="365760" cy="168910"/>
           </a:xfrm>
           <a:prstGeom prst="rect">
@@ -4106,7 +4003,7 @@
         </p:nvGrpSpPr>
         <p:grpSpPr>
           <a:xfrm>
-            <a:off x="6658199" y="1149106"/>
+            <a:off x="6653350" y="1149110"/>
             <a:ext cx="215900" cy="1722755"/>
             <a:chOff x="7025880" y="1296324"/>
             <a:chExt cx="215900" cy="1722755"/>
@@ -4331,7 +4228,7 @@
         </p:nvGrpSpPr>
         <p:grpSpPr>
           <a:xfrm>
-            <a:off x="7305264" y="1149106"/>
+            <a:off x="7305268" y="1149110"/>
             <a:ext cx="215900" cy="1724025"/>
             <a:chOff x="7672945" y="1296324"/>
             <a:chExt cx="215900" cy="1724025"/>
@@ -4644,7 +4541,7 @@
         </p:nvGrpSpPr>
         <p:grpSpPr>
           <a:xfrm>
-            <a:off x="7648164" y="1149106"/>
+            <a:off x="7648168" y="1149110"/>
             <a:ext cx="215900" cy="1724025"/>
             <a:chOff x="8015845" y="1296324"/>
             <a:chExt cx="215900" cy="1724025"/>
@@ -4957,7 +4854,7 @@
         </p:nvGrpSpPr>
         <p:grpSpPr>
           <a:xfrm>
-            <a:off x="7992334" y="1149106"/>
+            <a:off x="7992338" y="1149110"/>
             <a:ext cx="215900" cy="1723390"/>
             <a:chOff x="8360015" y="1296324"/>
             <a:chExt cx="215900" cy="1723390"/>
@@ -5225,7 +5122,7 @@
         </p:nvGrpSpPr>
         <p:grpSpPr>
           <a:xfrm>
-            <a:off x="8313644" y="1149106"/>
+            <a:off x="8313648" y="1149110"/>
             <a:ext cx="215900" cy="1724025"/>
             <a:chOff x="8681325" y="1296324"/>
             <a:chExt cx="215900" cy="1724025"/>
@@ -5538,7 +5435,7 @@
         </p:nvGrpSpPr>
         <p:grpSpPr>
           <a:xfrm>
-            <a:off x="8659719" y="1149106"/>
+            <a:off x="8659723" y="1149110"/>
             <a:ext cx="215900" cy="1722755"/>
             <a:chOff x="9027400" y="1296324"/>
             <a:chExt cx="215900" cy="1722755"/>
@@ -5851,7 +5748,7 @@
         </p:nvGrpSpPr>
         <p:grpSpPr>
           <a:xfrm>
-            <a:off x="8982934" y="952891"/>
+            <a:off x="8982938" y="952895"/>
             <a:ext cx="215900" cy="1918335"/>
             <a:chOff x="9350615" y="1100109"/>
             <a:chExt cx="215900" cy="1918335"/>
@@ -6207,7 +6104,7 @@
         </p:nvGrpSpPr>
         <p:grpSpPr>
           <a:xfrm>
-            <a:off x="9307419" y="1149106"/>
+            <a:off x="9307423" y="1149110"/>
             <a:ext cx="215900" cy="1722120"/>
             <a:chOff x="9675100" y="1296324"/>
             <a:chExt cx="215900" cy="1722120"/>
@@ -6520,7 +6417,7 @@
         </p:nvGrpSpPr>
         <p:grpSpPr>
           <a:xfrm>
-            <a:off x="9650954" y="1149106"/>
+            <a:off x="9650958" y="1149110"/>
             <a:ext cx="215900" cy="1722120"/>
             <a:chOff x="10018635" y="1296324"/>
             <a:chExt cx="215900" cy="1722120"/>
@@ -6833,7 +6730,7 @@
         </p:nvGrpSpPr>
         <p:grpSpPr>
           <a:xfrm>
-            <a:off x="9994489" y="1149106"/>
+            <a:off x="9994493" y="1149110"/>
             <a:ext cx="215900" cy="1721485"/>
             <a:chOff x="10362170" y="1296324"/>
             <a:chExt cx="215900" cy="1721485"/>
@@ -7101,7 +6998,7 @@
         </p:nvGrpSpPr>
         <p:grpSpPr>
           <a:xfrm>
-            <a:off x="10315799" y="1149106"/>
+            <a:off x="10315803" y="1149110"/>
             <a:ext cx="215900" cy="1720850"/>
             <a:chOff x="10683480" y="1296324"/>
             <a:chExt cx="215900" cy="1720850"/>
@@ -7414,7 +7311,7 @@
         </p:nvGrpSpPr>
         <p:grpSpPr>
           <a:xfrm>
-            <a:off x="10650444" y="1149106"/>
+            <a:off x="10650448" y="1149110"/>
             <a:ext cx="215900" cy="1720215"/>
             <a:chOff x="11018125" y="1296324"/>
             <a:chExt cx="215900" cy="1720215"/>
@@ -7639,7 +7536,7 @@
         </p:nvGrpSpPr>
         <p:grpSpPr>
           <a:xfrm>
-            <a:off x="11240676" y="1149106"/>
+            <a:off x="11240680" y="1149110"/>
             <a:ext cx="215900" cy="1722755"/>
             <a:chOff x="11607405" y="1296324"/>
             <a:chExt cx="215900" cy="1722755"/>
@@ -7907,7 +7804,7 @@
         </p:nvGrpSpPr>
         <p:grpSpPr>
           <a:xfrm>
-            <a:off x="11566114" y="1149106"/>
+            <a:off x="11566118" y="1149110"/>
             <a:ext cx="215900" cy="1722120"/>
             <a:chOff x="11928715" y="1296324"/>
             <a:chExt cx="215900" cy="1722120"/>
@@ -8214,7 +8111,7 @@
         </p:nvSpPr>
         <p:spPr>
           <a:xfrm>
-            <a:off x="5471794" y="3753017"/>
+            <a:off x="7345044" y="3508546"/>
             <a:ext cx="222885" cy="230505"/>
           </a:xfrm>
           <a:prstGeom prst="rect">
@@ -8249,7 +8146,7 @@
           </a:fontRef>
         </p:style>
         <p:txBody>
-          <a:bodyPr rtlCol="0" anchor="ctr"/>
+          <a:bodyPr lIns="0" tIns="0" rIns="0" bIns="0" rtlCol="0" anchor="ctr"/>
           <a:lstStyle/>
           <a:p>
             <a:pPr algn="ctr"/>
@@ -8265,7 +8162,7 @@
         </p:nvSpPr>
         <p:spPr>
           <a:xfrm>
-            <a:off x="6410324" y="3753017"/>
+            <a:off x="8283574" y="3508546"/>
             <a:ext cx="222885" cy="230505"/>
           </a:xfrm>
           <a:prstGeom prst="rect">
@@ -8300,7 +8197,7 @@
           </a:fontRef>
         </p:style>
         <p:txBody>
-          <a:bodyPr rtlCol="0" anchor="ctr"/>
+          <a:bodyPr lIns="0" tIns="0" rIns="0" bIns="0" rtlCol="0" anchor="ctr"/>
           <a:lstStyle/>
           <a:p>
             <a:pPr algn="ctr"/>
@@ -8316,7 +8213,7 @@
         </p:nvSpPr>
         <p:spPr>
           <a:xfrm>
-            <a:off x="7529194" y="3753017"/>
+            <a:off x="6302354" y="3508546"/>
             <a:ext cx="222885" cy="230505"/>
           </a:xfrm>
           <a:prstGeom prst="rect">
@@ -8351,7 +8248,7 @@
           </a:fontRef>
         </p:style>
         <p:txBody>
-          <a:bodyPr rtlCol="0" anchor="ctr"/>
+          <a:bodyPr lIns="0" tIns="0" rIns="0" bIns="0" rtlCol="0" anchor="ctr"/>
           <a:lstStyle/>
           <a:p>
             <a:pPr algn="ctr"/>
@@ -8367,7 +8264,7 @@
         </p:nvSpPr>
         <p:spPr>
           <a:xfrm>
-            <a:off x="5748019" y="3732766"/>
+            <a:off x="7621269" y="3476474"/>
             <a:ext cx="734695" cy="215444"/>
           </a:xfrm>
           <a:prstGeom prst="rect">
@@ -8397,7 +8294,7 @@
         </p:nvSpPr>
         <p:spPr>
           <a:xfrm>
-            <a:off x="6706869" y="3732766"/>
+            <a:off x="8580119" y="3476474"/>
             <a:ext cx="883285" cy="215444"/>
           </a:xfrm>
           <a:prstGeom prst="rect">
@@ -8414,7 +8311,7 @@
             <a:pPr algn="l"/>
             <a:r>
               <a:rPr lang="en-US" altLang="zh-CN" sz="1400" dirty="0"/>
-              <a:t>invalid</a:t>
+              <a:t>stale</a:t>
             </a:r>
           </a:p>
         </p:txBody>
@@ -8427,7 +8324,7 @@
         </p:nvSpPr>
         <p:spPr>
           <a:xfrm>
-            <a:off x="7821519" y="3732766"/>
+            <a:off x="6594679" y="3476474"/>
             <a:ext cx="984250" cy="215444"/>
           </a:xfrm>
           <a:prstGeom prst="rect">
@@ -8459,7 +8356,7 @@
         </p:nvCxnSpPr>
         <p:spPr>
           <a:xfrm>
-            <a:off x="8576801" y="3865002"/>
+            <a:off x="9089296" y="3608710"/>
             <a:ext cx="215900" cy="0"/>
           </a:xfrm>
           <a:prstGeom prst="line">
@@ -8495,7 +8392,7 @@
         </p:nvSpPr>
         <p:spPr>
           <a:xfrm>
-            <a:off x="8872711" y="3732766"/>
+            <a:off x="9385206" y="3476474"/>
             <a:ext cx="1376680" cy="215444"/>
           </a:xfrm>
           <a:prstGeom prst="rect">
@@ -8527,7 +8424,7 @@
         </p:nvCxnSpPr>
         <p:spPr>
           <a:xfrm>
-            <a:off x="9828386" y="3865002"/>
+            <a:off x="10340881" y="3608710"/>
             <a:ext cx="215900" cy="0"/>
           </a:xfrm>
           <a:prstGeom prst="line">
@@ -8563,7 +8460,7 @@
         </p:nvSpPr>
         <p:spPr>
           <a:xfrm>
-            <a:off x="10135298" y="3732766"/>
+            <a:off x="10647793" y="3476474"/>
             <a:ext cx="1814830" cy="215444"/>
           </a:xfrm>
           <a:prstGeom prst="rect">
@@ -8580,7 +8477,7 @@
             <a:pPr algn="l"/>
             <a:r>
               <a:rPr lang="en-US" altLang="zh-CN" sz="1400" dirty="0"/>
-              <a:t>changing threshold</a:t>
+              <a:t>switching threshold</a:t>
             </a:r>
           </a:p>
         </p:txBody>
@@ -8593,8 +8490,8 @@
         </p:nvSpPr>
         <p:spPr>
           <a:xfrm>
-            <a:off x="462603" y="626641"/>
-            <a:ext cx="2096135" cy="338455"/>
+            <a:off x="376355" y="644716"/>
+            <a:ext cx="1993123" cy="246221"/>
           </a:xfrm>
           <a:prstGeom prst="rect">
             <a:avLst/>
@@ -8602,11 +8499,12 @@
           <a:noFill/>
         </p:spPr>
         <p:txBody>
-          <a:bodyPr wrap="square" rtlCol="0">
+          <a:bodyPr wrap="square" lIns="0" tIns="0" rIns="0" bIns="0" rtlCol="0">
             <a:spAutoFit/>
           </a:bodyPr>
           <a:lstStyle/>
           <a:p>
+            <a:pPr algn="ctr"/>
             <a:r>
               <a:rPr lang="en-US" altLang="zh-CN" sz="1600" dirty="0"/>
               <a:t>Update &lt;Key, Value&gt;</a:t>
@@ -8619,13 +8517,15 @@
           <p:cNvPr id="325" name="直接箭头连接符 324"/>
           <p:cNvCxnSpPr>
             <a:cxnSpLocks/>
+            <a:stCxn id="92" idx="2"/>
+            <a:endCxn id="2" idx="0"/>
           </p:cNvCxnSpPr>
           <p:nvPr/>
         </p:nvCxnSpPr>
         <p:spPr>
           <a:xfrm>
-            <a:off x="1406610" y="955871"/>
-            <a:ext cx="0" cy="294005"/>
+            <a:off x="1372917" y="890937"/>
+            <a:ext cx="0" cy="358943"/>
           </a:xfrm>
           <a:prstGeom prst="straightConnector1">
             <a:avLst/>
@@ -8637,46 +8537,6 @@
               </a:schemeClr>
             </a:solidFill>
             <a:prstDash val="solid"/>
-            <a:tailEnd type="arrow"/>
-          </a:ln>
-        </p:spPr>
-        <p:style>
-          <a:lnRef idx="1">
-            <a:schemeClr val="accent1"/>
-          </a:lnRef>
-          <a:fillRef idx="0">
-            <a:schemeClr val="accent1"/>
-          </a:fillRef>
-          <a:effectRef idx="0">
-            <a:schemeClr val="accent1"/>
-          </a:effectRef>
-          <a:fontRef idx="minor">
-            <a:schemeClr val="tx1"/>
-          </a:fontRef>
-        </p:style>
-      </p:cxnSp>
-      <p:cxnSp>
-        <p:nvCxnSpPr>
-          <p:cNvPr id="332" name="直接箭头连接符 331"/>
-          <p:cNvCxnSpPr>
-            <a:cxnSpLocks/>
-          </p:cNvCxnSpPr>
-          <p:nvPr/>
-        </p:nvCxnSpPr>
-        <p:spPr>
-          <a:xfrm flipV="1">
-            <a:off x="3838624" y="1990019"/>
-            <a:ext cx="2819575" cy="12704"/>
-          </a:xfrm>
-          <a:prstGeom prst="straightConnector1">
-            <a:avLst/>
-          </a:prstGeom>
-          <a:ln w="19050">
-            <a:solidFill>
-              <a:schemeClr val="bg1">
-                <a:lumMod val="50000"/>
-              </a:schemeClr>
-            </a:solidFill>
             <a:tailEnd type="arrow"/>
           </a:ln>
         </p:spPr>
@@ -8703,8 +8563,8 @@
         </p:nvSpPr>
         <p:spPr>
           <a:xfrm>
-            <a:off x="2745795" y="1845867"/>
-            <a:ext cx="1106170" cy="246221"/>
+            <a:off x="2926491" y="1845871"/>
+            <a:ext cx="1183083" cy="246221"/>
           </a:xfrm>
           <a:prstGeom prst="rect">
             <a:avLst/>
@@ -8720,7 +8580,7 @@
             <a:pPr algn="ctr"/>
             <a:r>
               <a:rPr lang="en-US" altLang="zh-CN" sz="1600" dirty="0"/>
-              <a:t>Append</a:t>
+              <a:t>(B) Append</a:t>
             </a:r>
           </a:p>
         </p:txBody>
@@ -8730,26 +8590,28 @@
           <p:cNvPr id="336" name="肘形连接符 335"/>
           <p:cNvCxnSpPr>
             <a:cxnSpLocks/>
+            <a:stCxn id="359" idx="3"/>
+            <a:endCxn id="51" idx="1"/>
           </p:cNvCxnSpPr>
           <p:nvPr/>
         </p:nvCxnSpPr>
         <p:spPr>
           <a:xfrm flipV="1">
-            <a:off x="5152756" y="1779661"/>
-            <a:ext cx="1826753" cy="219252"/>
+            <a:off x="6213300" y="1783354"/>
+            <a:ext cx="767483" cy="479288"/>
           </a:xfrm>
           <a:prstGeom prst="bentConnector3">
             <a:avLst>
-              <a:gd name="adj1" fmla="val 50000"/>
+              <a:gd name="adj1" fmla="val 10948"/>
             </a:avLst>
           </a:prstGeom>
-          <a:ln w="19050" cmpd="sng">
+          <a:ln w="25400" cmpd="sng">
             <a:solidFill>
               <a:schemeClr val="bg1">
                 <a:lumMod val="50000"/>
               </a:schemeClr>
             </a:solidFill>
-            <a:prstDash val="dash"/>
+            <a:prstDash val="solid"/>
             <a:tailEnd type="arrow"/>
           </a:ln>
         </p:spPr>
@@ -8776,7 +8638,7 @@
         </p:nvSpPr>
         <p:spPr>
           <a:xfrm>
-            <a:off x="2899147" y="2145421"/>
+            <a:off x="2899151" y="2145425"/>
             <a:ext cx="3349625" cy="638810"/>
           </a:xfrm>
           <a:prstGeom prst="wedgeRoundRectCallout">
@@ -8832,13 +8694,13 @@
         </p:nvCxnSpPr>
         <p:spPr>
           <a:xfrm>
-            <a:off x="3000112" y="2447046"/>
+            <a:off x="3000116" y="2447050"/>
             <a:ext cx="1036320" cy="0"/>
           </a:xfrm>
           <a:prstGeom prst="line">
             <a:avLst/>
           </a:prstGeom>
-          <a:ln w="12700">
+          <a:ln w="25400">
             <a:solidFill>
               <a:schemeClr val="bg1">
                 <a:lumMod val="50000"/>
@@ -8869,19 +8731,19 @@
         </p:nvCxnSpPr>
         <p:spPr>
           <a:xfrm>
-            <a:off x="4025002" y="2259086"/>
+            <a:off x="4025006" y="2259090"/>
             <a:ext cx="0" cy="213995"/>
           </a:xfrm>
           <a:prstGeom prst="line">
             <a:avLst/>
           </a:prstGeom>
-          <a:ln w="12700" cmpd="sng">
+          <a:ln w="25400" cmpd="sng">
             <a:solidFill>
               <a:schemeClr val="bg1">
                 <a:lumMod val="50000"/>
               </a:schemeClr>
             </a:solidFill>
-            <a:prstDash val="sysDash"/>
+            <a:prstDash val="solid"/>
           </a:ln>
         </p:spPr>
         <p:style>
@@ -8907,19 +8769,19 @@
         </p:nvCxnSpPr>
         <p:spPr>
           <a:xfrm>
-            <a:off x="4022462" y="2257181"/>
+            <a:off x="4022466" y="2257185"/>
             <a:ext cx="452755" cy="0"/>
           </a:xfrm>
           <a:prstGeom prst="straightConnector1">
             <a:avLst/>
           </a:prstGeom>
-          <a:ln w="12700" cmpd="sng">
+          <a:ln w="25400" cmpd="sng">
             <a:solidFill>
               <a:schemeClr val="bg1">
                 <a:lumMod val="50000"/>
               </a:schemeClr>
             </a:solidFill>
-            <a:prstDash val="sysDash"/>
+            <a:prstDash val="solid"/>
             <a:tailEnd type="arrow"/>
           </a:ln>
         </p:spPr>
@@ -8946,8 +8808,8 @@
         </p:nvSpPr>
         <p:spPr>
           <a:xfrm>
-            <a:off x="3953882" y="2409581"/>
-            <a:ext cx="462280" cy="275590"/>
+            <a:off x="4036436" y="2451790"/>
+            <a:ext cx="373662" cy="184666"/>
           </a:xfrm>
           <a:prstGeom prst="rect">
             <a:avLst/>
@@ -8955,7 +8817,7 @@
           <a:noFill/>
         </p:spPr>
         <p:txBody>
-          <a:bodyPr wrap="square" rtlCol="0">
+          <a:bodyPr wrap="square" lIns="0" tIns="0" rIns="0" bIns="0" rtlCol="0">
             <a:spAutoFit/>
           </a:bodyPr>
           <a:lstStyle/>
@@ -8976,18 +8838,20 @@
         </p:nvCxnSpPr>
         <p:spPr>
           <a:xfrm>
-            <a:off x="4025002" y="2445776"/>
+            <a:off x="4025006" y="2445780"/>
             <a:ext cx="0" cy="187960"/>
           </a:xfrm>
           <a:prstGeom prst="line">
             <a:avLst/>
           </a:prstGeom>
-          <a:ln w="12700">
+          <a:ln w="25400" cmpd="sng">
             <a:solidFill>
               <a:schemeClr val="bg1">
                 <a:lumMod val="50000"/>
               </a:schemeClr>
             </a:solidFill>
+            <a:prstDash val="dash"/>
+            <a:tailEnd type="none"/>
           </a:ln>
         </p:spPr>
         <p:style>
@@ -9013,7 +8877,7 @@
         </p:nvSpPr>
         <p:spPr>
           <a:xfrm>
-            <a:off x="3089647" y="2205111"/>
+            <a:off x="3089651" y="2205115"/>
             <a:ext cx="906780" cy="388620"/>
           </a:xfrm>
           <a:prstGeom prst="rect">
@@ -9050,8 +8914,8 @@
         </p:nvSpPr>
         <p:spPr>
           <a:xfrm>
-            <a:off x="3953882" y="2205111"/>
-            <a:ext cx="462280" cy="275590"/>
+            <a:off x="4051698" y="2239524"/>
+            <a:ext cx="391908" cy="184666"/>
           </a:xfrm>
           <a:prstGeom prst="rect">
             <a:avLst/>
@@ -9059,7 +8923,7 @@
           <a:noFill/>
         </p:spPr>
         <p:txBody>
-          <a:bodyPr wrap="square" rtlCol="0">
+          <a:bodyPr wrap="square" lIns="0" tIns="0" rIns="0" bIns="0" rtlCol="0">
             <a:spAutoFit/>
           </a:bodyPr>
           <a:lstStyle/>
@@ -9080,19 +8944,19 @@
         </p:nvCxnSpPr>
         <p:spPr>
           <a:xfrm>
-            <a:off x="4025002" y="2633736"/>
+            <a:off x="4025006" y="2633740"/>
             <a:ext cx="1638935" cy="0"/>
           </a:xfrm>
           <a:prstGeom prst="straightConnector1">
             <a:avLst/>
           </a:prstGeom>
-          <a:ln w="12700" cmpd="sng">
+          <a:ln w="25400" cmpd="sng">
             <a:solidFill>
               <a:schemeClr val="bg1">
                 <a:lumMod val="50000"/>
               </a:schemeClr>
             </a:solidFill>
-            <a:prstDash val="solid"/>
+            <a:prstDash val="dash"/>
             <a:tailEnd type="arrow"/>
           </a:ln>
         </p:spPr>
@@ -9119,8 +8983,8 @@
         </p:nvSpPr>
         <p:spPr>
           <a:xfrm>
-            <a:off x="4414892" y="2114941"/>
-            <a:ext cx="1008380" cy="275590"/>
+            <a:off x="4473203" y="2162947"/>
+            <a:ext cx="864771" cy="184666"/>
           </a:xfrm>
           <a:prstGeom prst="rect">
             <a:avLst/>
@@ -9128,15 +8992,15 @@
           <a:noFill/>
         </p:spPr>
         <p:txBody>
-          <a:bodyPr wrap="square" rtlCol="0">
+          <a:bodyPr wrap="square" lIns="0" tIns="0" rIns="0" bIns="0" rtlCol="0">
             <a:spAutoFit/>
           </a:bodyPr>
           <a:lstStyle/>
           <a:p>
             <a:pPr algn="ctr"/>
             <a:r>
-              <a:rPr lang="en-US" altLang="zh-CN" sz="1200"/>
-              <a:t>Seg change</a:t>
+              <a:rPr lang="en-US" altLang="zh-CN" sz="1200" dirty="0"/>
+              <a:t>Seg switch</a:t>
             </a:r>
           </a:p>
         </p:txBody>
@@ -9149,19 +9013,19 @@
         </p:nvCxnSpPr>
         <p:spPr>
           <a:xfrm>
-            <a:off x="5362312" y="2257181"/>
+            <a:off x="5342631" y="2271232"/>
             <a:ext cx="321310" cy="0"/>
           </a:xfrm>
           <a:prstGeom prst="straightConnector1">
             <a:avLst/>
           </a:prstGeom>
-          <a:ln w="12700" cmpd="sng">
+          <a:ln w="25400" cmpd="sng">
             <a:solidFill>
               <a:schemeClr val="bg1">
                 <a:lumMod val="50000"/>
               </a:schemeClr>
             </a:solidFill>
-            <a:prstDash val="sysDash"/>
+            <a:prstDash val="solid"/>
             <a:tailEnd type="arrow"/>
           </a:ln>
         </p:spPr>
@@ -9188,8 +9052,8 @@
         </p:nvSpPr>
         <p:spPr>
           <a:xfrm>
-            <a:off x="5584413" y="2536065"/>
-            <a:ext cx="742315" cy="184666"/>
+            <a:off x="5584417" y="2536069"/>
+            <a:ext cx="661671" cy="184666"/>
           </a:xfrm>
           <a:prstGeom prst="rect">
             <a:avLst/>
@@ -9204,7 +9068,7 @@
           <a:p>
             <a:pPr algn="ctr"/>
             <a:r>
-              <a:rPr lang="en-US" altLang="zh-CN" sz="1200"/>
+              <a:rPr lang="en-US" altLang="zh-CN" sz="1200" dirty="0"/>
               <a:t>append</a:t>
             </a:r>
           </a:p>
@@ -9218,8 +9082,8 @@
         </p:nvSpPr>
         <p:spPr>
           <a:xfrm>
-            <a:off x="5595843" y="2170305"/>
-            <a:ext cx="742315" cy="184666"/>
+            <a:off x="5595848" y="2170309"/>
+            <a:ext cx="617452" cy="184666"/>
           </a:xfrm>
           <a:prstGeom prst="rect">
             <a:avLst/>
@@ -9234,7 +9098,7 @@
           <a:p>
             <a:pPr algn="ctr"/>
             <a:r>
-              <a:rPr lang="en-US" altLang="zh-CN" sz="1200"/>
+              <a:rPr lang="en-US" altLang="zh-CN" sz="1200" dirty="0"/>
               <a:t>append</a:t>
             </a:r>
           </a:p>
@@ -9248,7 +9112,7 @@
         </p:nvSpPr>
         <p:spPr>
           <a:xfrm>
-            <a:off x="2932802" y="747786"/>
+            <a:off x="2932806" y="747790"/>
             <a:ext cx="3092450" cy="941070"/>
           </a:xfrm>
           <a:prstGeom prst="roundRect">
@@ -9300,8 +9164,8 @@
         </p:nvSpPr>
         <p:spPr>
           <a:xfrm>
-            <a:off x="2926488" y="768263"/>
-            <a:ext cx="1906270" cy="246221"/>
+            <a:off x="3017757" y="743198"/>
+            <a:ext cx="2706174" cy="246221"/>
           </a:xfrm>
           <a:prstGeom prst="rect">
             <a:avLst/>
@@ -9314,10 +9178,9 @@
           </a:bodyPr>
           <a:lstStyle/>
           <a:p>
-            <a:pPr algn="ctr"/>
             <a:r>
               <a:rPr lang="en-US" altLang="zh-CN" sz="1600" dirty="0"/>
-              <a:t>Segment metadata</a:t>
+              <a:t>(A) Segment metadata</a:t>
             </a:r>
           </a:p>
         </p:txBody>
@@ -9336,7 +9199,7 @@
         </p:nvGrpSpPr>
         <p:grpSpPr>
           <a:xfrm>
-            <a:off x="6980779" y="1149106"/>
+            <a:off x="6980783" y="1149110"/>
             <a:ext cx="215900" cy="1724025"/>
             <a:chOff x="7348460" y="1296324"/>
             <a:chExt cx="215900" cy="1724025"/>
@@ -9518,7 +9381,7 @@
           </p:nvCxnSpPr>
           <p:spPr>
             <a:xfrm>
-              <a:off x="7348460" y="1826549"/>
+              <a:off x="7348460" y="1586928"/>
               <a:ext cx="215900" cy="0"/>
             </a:xfrm>
             <a:prstGeom prst="line">
@@ -9585,50 +9448,6 @@
           </p:style>
         </p:cxnSp>
       </p:grpSp>
-      <p:cxnSp>
-        <p:nvCxnSpPr>
-          <p:cNvPr id="416" name="直接箭头连接符 415"/>
-          <p:cNvCxnSpPr>
-            <a:cxnSpLocks/>
-            <a:stCxn id="141" idx="0"/>
-            <a:endCxn id="141" idx="2"/>
-          </p:cNvCxnSpPr>
-          <p:nvPr/>
-        </p:nvCxnSpPr>
-        <p:spPr>
-          <a:xfrm>
-            <a:off x="7088412" y="1796806"/>
-            <a:ext cx="0" cy="728345"/>
-          </a:xfrm>
-          <a:prstGeom prst="straightConnector1">
-            <a:avLst/>
-          </a:prstGeom>
-          <a:ln w="12700" cmpd="sng">
-            <a:solidFill>
-              <a:schemeClr val="accent6">
-                <a:lumMod val="40000"/>
-                <a:lumOff val="60000"/>
-              </a:schemeClr>
-            </a:solidFill>
-            <a:prstDash val="sysDash"/>
-            <a:tailEnd type="arrow"/>
-          </a:ln>
-        </p:spPr>
-        <p:style>
-          <a:lnRef idx="1">
-            <a:schemeClr val="accent1"/>
-          </a:lnRef>
-          <a:fillRef idx="0">
-            <a:schemeClr val="accent1"/>
-          </a:fillRef>
-          <a:effectRef idx="0">
-            <a:schemeClr val="accent1"/>
-          </a:effectRef>
-          <a:fontRef idx="minor">
-            <a:schemeClr val="tx1"/>
-          </a:fontRef>
-        </p:style>
-      </p:cxnSp>
       <p:sp>
         <p:nvSpPr>
           <p:cNvPr id="423" name="文本框 422"/>
@@ -9637,40 +9456,8 @@
         </p:nvSpPr>
         <p:spPr>
           <a:xfrm>
-            <a:off x="4325470" y="1744101"/>
-            <a:ext cx="360680" cy="306705"/>
-          </a:xfrm>
-          <a:prstGeom prst="rect">
-            <a:avLst/>
-          </a:prstGeom>
-          <a:noFill/>
-        </p:spPr>
-        <p:txBody>
-          <a:bodyPr wrap="none" rtlCol="0" anchor="t">
-            <a:spAutoFit/>
-          </a:bodyPr>
-          <a:lstStyle/>
-          <a:p>
-            <a:r>
-              <a:rPr lang="zh-CN" altLang="en-US" sz="1400" dirty="0">
-                <a:latin typeface="微软雅黑" panose="020B0503020204020204" charset="-122"/>
-                <a:ea typeface="微软雅黑" panose="020B0503020204020204" charset="-122"/>
-              </a:rPr>
-              <a:t>➋</a:t>
-            </a:r>
-          </a:p>
-        </p:txBody>
-      </p:sp>
-      <p:sp>
-        <p:nvSpPr>
-          <p:cNvPr id="424" name="文本框 423"/>
-          <p:cNvSpPr txBox="1"/>
-          <p:nvPr/>
-        </p:nvSpPr>
-        <p:spPr>
-          <a:xfrm>
-            <a:off x="7088411" y="2056749"/>
-            <a:ext cx="145874" cy="215444"/>
+            <a:off x="4133499" y="2016026"/>
+            <a:ext cx="179536" cy="215444"/>
           </a:xfrm>
           <a:prstGeom prst="rect">
             <a:avLst/>
@@ -9688,7 +9475,7 @@
                 <a:latin typeface="微软雅黑" panose="020B0503020204020204" charset="-122"/>
                 <a:ea typeface="微软雅黑" panose="020B0503020204020204" charset="-122"/>
               </a:rPr>
-              <a:t>★</a:t>
+              <a:t>➋</a:t>
             </a:r>
           </a:p>
         </p:txBody>
@@ -9701,7 +9488,7 @@
         </p:nvSpPr>
         <p:spPr>
           <a:xfrm>
-            <a:off x="5121647" y="1237371"/>
+            <a:off x="5121651" y="1237375"/>
             <a:ext cx="855345" cy="175260"/>
           </a:xfrm>
           <a:prstGeom prst="rect">
@@ -9742,45 +9529,12 @@
           <a:p>
             <a:pPr algn="ctr"/>
             <a:r>
-              <a:rPr lang="en-US" altLang="zh-CN" sz="1200">
+              <a:rPr lang="en-US" altLang="zh-CN" sz="1200" dirty="0">
                 <a:solidFill>
                   <a:schemeClr val="tx1"/>
                 </a:solidFill>
               </a:rPr>
-              <a:t>TKV</a:t>
-            </a:r>
-          </a:p>
-        </p:txBody>
-      </p:sp>
-      <p:sp>
-        <p:nvSpPr>
-          <p:cNvPr id="429" name="文本框 428"/>
-          <p:cNvSpPr txBox="1"/>
-          <p:nvPr/>
-        </p:nvSpPr>
-        <p:spPr>
-          <a:xfrm>
-            <a:off x="5697592" y="692541"/>
-            <a:ext cx="411480" cy="368300"/>
-          </a:xfrm>
-          <a:prstGeom prst="rect">
-            <a:avLst/>
-          </a:prstGeom>
-          <a:noFill/>
-        </p:spPr>
-        <p:txBody>
-          <a:bodyPr wrap="none" rtlCol="0" anchor="t">
-            <a:spAutoFit/>
-          </a:bodyPr>
-          <a:lstStyle/>
-          <a:p>
-            <a:pPr algn="ctr"/>
-            <a:r>
-              <a:rPr lang="zh-CN" altLang="en-US" sz="1800">
-                <a:latin typeface="微软雅黑" panose="020B0503020204020204" charset="-122"/>
-                <a:ea typeface="微软雅黑" panose="020B0503020204020204" charset="-122"/>
-              </a:rPr>
-              <a:t>♠</a:t>
+              <a:t>size</a:t>
             </a:r>
           </a:p>
         </p:txBody>
@@ -9793,8 +9547,8 @@
         </p:nvSpPr>
         <p:spPr>
           <a:xfrm>
-            <a:off x="4169782" y="1392946"/>
-            <a:ext cx="925195" cy="275590"/>
+            <a:off x="4169786" y="1392950"/>
+            <a:ext cx="925195" cy="184666"/>
           </a:xfrm>
           <a:prstGeom prst="rect">
             <a:avLst/>
@@ -9802,7 +9556,7 @@
           <a:noFill/>
         </p:spPr>
         <p:txBody>
-          <a:bodyPr wrap="square" rtlCol="0">
+          <a:bodyPr wrap="square" lIns="0" tIns="0" rIns="0" bIns="0" rtlCol="0">
             <a:spAutoFit/>
           </a:bodyPr>
           <a:lstStyle/>
@@ -9810,7 +9564,7 @@
             <a:pPr algn="ctr"/>
             <a:r>
               <a:rPr lang="en-US" altLang="zh-CN" sz="1200" dirty="0"/>
-              <a:t>RB-vector</a:t>
+              <a:t>REW-vector</a:t>
             </a:r>
           </a:p>
         </p:txBody>
@@ -9823,7 +9577,7 @@
         </p:nvGrpSpPr>
         <p:grpSpPr>
           <a:xfrm>
-            <a:off x="3028052" y="1124976"/>
+            <a:off x="3028056" y="1124980"/>
             <a:ext cx="934720" cy="427990"/>
             <a:chOff x="979" y="1020"/>
             <a:chExt cx="1472" cy="674"/>
@@ -9937,13 +9691,18 @@
             <a:p>
               <a:pPr algn="ctr"/>
               <a:r>
-                <a:rPr lang="en-US" altLang="zh-CN" sz="1200">
+                <a:rPr lang="en-US" altLang="zh-CN" sz="1200" dirty="0" err="1">
                   <a:solidFill>
                     <a:schemeClr val="tx1"/>
                   </a:solidFill>
                 </a:rPr>
-                <a:t>is_garbage</a:t>
+                <a:t>is_stale</a:t>
               </a:r>
+              <a:endParaRPr lang="en-US" altLang="zh-CN" sz="1200" dirty="0">
+                <a:solidFill>
+                  <a:schemeClr val="tx1"/>
+                </a:solidFill>
+              </a:endParaRPr>
             </a:p>
           </p:txBody>
         </p:sp>
@@ -9958,13 +9717,13 @@
         </p:nvCxnSpPr>
         <p:spPr>
           <a:xfrm>
-            <a:off x="3963407" y="1124976"/>
+            <a:off x="3963411" y="1124980"/>
             <a:ext cx="328930" cy="112395"/>
           </a:xfrm>
           <a:prstGeom prst="line">
             <a:avLst/>
           </a:prstGeom>
-          <a:ln w="9525" cmpd="sng">
+          <a:ln w="25400" cmpd="sng">
             <a:solidFill>
               <a:schemeClr val="bg1">
                 <a:lumMod val="50000"/>
@@ -9998,13 +9757,13 @@
         </p:nvCxnSpPr>
         <p:spPr>
           <a:xfrm flipV="1">
-            <a:off x="3963407" y="1417711"/>
+            <a:off x="3963411" y="1417715"/>
             <a:ext cx="328930" cy="132080"/>
           </a:xfrm>
           <a:prstGeom prst="line">
             <a:avLst/>
           </a:prstGeom>
-          <a:ln w="9525" cmpd="sng">
+          <a:ln w="25400" cmpd="sng">
             <a:solidFill>
               <a:schemeClr val="bg1">
                 <a:lumMod val="50000"/>
@@ -10036,7 +9795,7 @@
         </p:nvGrpSpPr>
         <p:grpSpPr>
           <a:xfrm>
-            <a:off x="4241537" y="1237371"/>
+            <a:off x="4241541" y="1237375"/>
             <a:ext cx="808990" cy="180340"/>
             <a:chOff x="2614" y="839"/>
             <a:chExt cx="1274" cy="284"/>
@@ -10442,38 +10201,6 @@
       </p:grpSp>
       <p:sp>
         <p:nvSpPr>
-          <p:cNvPr id="21" name="文本框 20"/>
-          <p:cNvSpPr txBox="1"/>
-          <p:nvPr/>
-        </p:nvSpPr>
-        <p:spPr>
-          <a:xfrm>
-            <a:off x="2873747" y="2145421"/>
-            <a:ext cx="332105" cy="370840"/>
-          </a:xfrm>
-          <a:prstGeom prst="rect">
-            <a:avLst/>
-          </a:prstGeom>
-          <a:noFill/>
-        </p:spPr>
-        <p:txBody>
-          <a:bodyPr wrap="none" rtlCol="0" anchor="t">
-            <a:noAutofit/>
-          </a:bodyPr>
-          <a:lstStyle/>
-          <a:p>
-            <a:r>
-              <a:rPr lang="zh-CN" altLang="en-US">
-                <a:latin typeface="微软雅黑" panose="020B0503020204020204" charset="-122"/>
-                <a:ea typeface="微软雅黑" panose="020B0503020204020204" charset="-122"/>
-              </a:rPr>
-              <a:t>♣</a:t>
-            </a:r>
-          </a:p>
-        </p:txBody>
-      </p:sp>
-      <p:sp>
-        <p:nvSpPr>
           <p:cNvPr id="30" name="圆角矩形 396">
             <a:extLst>
               <a:ext uri="{FF2B5EF4-FFF2-40B4-BE49-F238E27FC236}">
@@ -10486,8 +10213,8 @@
         </p:nvSpPr>
         <p:spPr>
           <a:xfrm>
-            <a:off x="703238" y="2380813"/>
-            <a:ext cx="1442362" cy="367787"/>
+            <a:off x="376355" y="1907133"/>
+            <a:ext cx="1993123" cy="367787"/>
           </a:xfrm>
           <a:prstGeom prst="roundRect">
             <a:avLst/>
@@ -10530,7 +10257,7 @@
                   <a:schemeClr val="tx1"/>
                 </a:solidFill>
               </a:rPr>
-              <a:t>Log Appending</a:t>
+              <a:t>Append to segments</a:t>
             </a:r>
           </a:p>
         </p:txBody>
@@ -10549,8 +10276,8 @@
         </p:nvSpPr>
         <p:spPr>
           <a:xfrm>
-            <a:off x="703238" y="2917268"/>
-            <a:ext cx="1442362" cy="367787"/>
+            <a:off x="376355" y="2564386"/>
+            <a:ext cx="1993123" cy="367787"/>
           </a:xfrm>
           <a:prstGeom prst="roundRect">
             <a:avLst/>
@@ -10593,7 +10320,7 @@
                   <a:schemeClr val="tx1"/>
                 </a:solidFill>
               </a:rPr>
-              <a:t>Index Update</a:t>
+              <a:t>Mark stale data</a:t>
             </a:r>
           </a:p>
         </p:txBody>
@@ -10616,8 +10343,8 @@
         </p:nvCxnSpPr>
         <p:spPr>
           <a:xfrm>
-            <a:off x="1424419" y="2748600"/>
-            <a:ext cx="0" cy="168668"/>
+            <a:off x="1372917" y="2274920"/>
+            <a:ext cx="0" cy="289466"/>
           </a:xfrm>
           <a:prstGeom prst="straightConnector1">
             <a:avLst/>
@@ -10657,14 +10384,13 @@
           </p:cNvPr>
           <p:cNvCxnSpPr>
             <a:cxnSpLocks/>
-            <a:endCxn id="364" idx="1"/>
           </p:cNvCxnSpPr>
           <p:nvPr/>
         </p:nvCxnSpPr>
         <p:spPr>
           <a:xfrm flipV="1">
-            <a:off x="1961549" y="891374"/>
-            <a:ext cx="964939" cy="1499157"/>
+            <a:off x="2319006" y="802452"/>
+            <a:ext cx="648869" cy="1137233"/>
           </a:xfrm>
           <a:prstGeom prst="line">
             <a:avLst/>
@@ -10710,8 +10436,8 @@
         </p:nvCxnSpPr>
         <p:spPr>
           <a:xfrm>
-            <a:off x="2113625" y="2748600"/>
-            <a:ext cx="1078251" cy="34172"/>
+            <a:off x="2305257" y="2290522"/>
+            <a:ext cx="625291" cy="469919"/>
           </a:xfrm>
           <a:prstGeom prst="line">
             <a:avLst/>
@@ -10741,6 +10467,519 @@
           </a:fontRef>
         </p:style>
       </p:cxnSp>
+      <p:sp>
+        <p:nvSpPr>
+          <p:cNvPr id="2" name="圆角矩形 396">
+            <a:extLst>
+              <a:ext uri="{FF2B5EF4-FFF2-40B4-BE49-F238E27FC236}">
+                <a16:creationId xmlns:a16="http://schemas.microsoft.com/office/drawing/2014/main" id="{04AED8AE-E358-0E17-E643-0BEBF04A81C4}"/>
+              </a:ext>
+            </a:extLst>
+          </p:cNvPr>
+          <p:cNvSpPr/>
+          <p:nvPr/>
+        </p:nvSpPr>
+        <p:spPr>
+          <a:xfrm>
+            <a:off x="376355" y="1249880"/>
+            <a:ext cx="1993123" cy="367787"/>
+          </a:xfrm>
+          <a:prstGeom prst="roundRect">
+            <a:avLst/>
+          </a:prstGeom>
+          <a:solidFill>
+            <a:srgbClr val="BFBFBF"/>
+          </a:solidFill>
+          <a:ln>
+            <a:solidFill>
+              <a:schemeClr val="bg1">
+                <a:lumMod val="50000"/>
+              </a:schemeClr>
+            </a:solidFill>
+          </a:ln>
+        </p:spPr>
+        <p:style>
+          <a:lnRef idx="2">
+            <a:schemeClr val="accent1">
+              <a:shade val="50000"/>
+            </a:schemeClr>
+          </a:lnRef>
+          <a:fillRef idx="1">
+            <a:schemeClr val="accent1"/>
+          </a:fillRef>
+          <a:effectRef idx="0">
+            <a:schemeClr val="accent1"/>
+          </a:effectRef>
+          <a:fontRef idx="minor">
+            <a:schemeClr val="lt1"/>
+          </a:fontRef>
+        </p:style>
+        <p:txBody>
+          <a:bodyPr lIns="0" tIns="0" rIns="0" bIns="0" rtlCol="0" anchor="ctr"/>
+          <a:lstStyle/>
+          <a:p>
+            <a:pPr algn="ctr"/>
+            <a:r>
+              <a:rPr lang="en-US" altLang="zh-CN" sz="1600" dirty="0">
+                <a:solidFill>
+                  <a:schemeClr val="tx1"/>
+                </a:solidFill>
+              </a:rPr>
+              <a:t>Identify class in HAM</a:t>
+            </a:r>
+          </a:p>
+        </p:txBody>
+      </p:sp>
+      <p:sp>
+        <p:nvSpPr>
+          <p:cNvPr id="18" name="圆角矩形 396">
+            <a:extLst>
+              <a:ext uri="{FF2B5EF4-FFF2-40B4-BE49-F238E27FC236}">
+                <a16:creationId xmlns:a16="http://schemas.microsoft.com/office/drawing/2014/main" id="{9CF13D85-0C77-09BE-5907-190C4770BE73}"/>
+              </a:ext>
+            </a:extLst>
+          </p:cNvPr>
+          <p:cNvSpPr/>
+          <p:nvPr/>
+        </p:nvSpPr>
+        <p:spPr>
+          <a:xfrm>
+            <a:off x="376355" y="3221640"/>
+            <a:ext cx="1993123" cy="367787"/>
+          </a:xfrm>
+          <a:prstGeom prst="roundRect">
+            <a:avLst/>
+          </a:prstGeom>
+          <a:solidFill>
+            <a:srgbClr val="BFBFBF"/>
+          </a:solidFill>
+          <a:ln>
+            <a:solidFill>
+              <a:schemeClr val="bg1">
+                <a:lumMod val="50000"/>
+              </a:schemeClr>
+            </a:solidFill>
+          </a:ln>
+        </p:spPr>
+        <p:style>
+          <a:lnRef idx="2">
+            <a:schemeClr val="accent1">
+              <a:shade val="50000"/>
+            </a:schemeClr>
+          </a:lnRef>
+          <a:fillRef idx="1">
+            <a:schemeClr val="accent1"/>
+          </a:fillRef>
+          <a:effectRef idx="0">
+            <a:schemeClr val="accent1"/>
+          </a:effectRef>
+          <a:fontRef idx="minor">
+            <a:schemeClr val="lt1"/>
+          </a:fontRef>
+        </p:style>
+        <p:txBody>
+          <a:bodyPr lIns="0" tIns="0" rIns="0" bIns="0" rtlCol="0" anchor="ctr"/>
+          <a:lstStyle/>
+          <a:p>
+            <a:pPr algn="ctr"/>
+            <a:r>
+              <a:rPr lang="en-US" altLang="zh-CN" sz="1600" dirty="0">
+                <a:solidFill>
+                  <a:schemeClr val="tx1"/>
+                </a:solidFill>
+              </a:rPr>
+              <a:t>Update HAM &amp; index</a:t>
+            </a:r>
+          </a:p>
+        </p:txBody>
+      </p:sp>
+      <p:cxnSp>
+        <p:nvCxnSpPr>
+          <p:cNvPr id="19" name="直接箭头连接符 18">
+            <a:extLst>
+              <a:ext uri="{FF2B5EF4-FFF2-40B4-BE49-F238E27FC236}">
+                <a16:creationId xmlns:a16="http://schemas.microsoft.com/office/drawing/2014/main" id="{84303616-80A4-C304-7325-66F65ED8425D}"/>
+              </a:ext>
+            </a:extLst>
+          </p:cNvPr>
+          <p:cNvCxnSpPr>
+            <a:cxnSpLocks/>
+            <a:stCxn id="43" idx="2"/>
+            <a:endCxn id="18" idx="0"/>
+          </p:cNvCxnSpPr>
+          <p:nvPr/>
+        </p:nvCxnSpPr>
+        <p:spPr>
+          <a:xfrm>
+            <a:off x="1372917" y="2932173"/>
+            <a:ext cx="0" cy="289467"/>
+          </a:xfrm>
+          <a:prstGeom prst="straightConnector1">
+            <a:avLst/>
+          </a:prstGeom>
+          <a:ln w="22225">
+            <a:solidFill>
+              <a:schemeClr val="bg1">
+                <a:lumMod val="50000"/>
+              </a:schemeClr>
+            </a:solidFill>
+            <a:tailEnd type="arrow"/>
+          </a:ln>
+        </p:spPr>
+        <p:style>
+          <a:lnRef idx="1">
+            <a:schemeClr val="accent1"/>
+          </a:lnRef>
+          <a:fillRef idx="0">
+            <a:schemeClr val="accent1"/>
+          </a:fillRef>
+          <a:effectRef idx="0">
+            <a:schemeClr val="accent1"/>
+          </a:effectRef>
+          <a:fontRef idx="minor">
+            <a:schemeClr val="tx1"/>
+          </a:fontRef>
+        </p:style>
+      </p:cxnSp>
+      <p:sp>
+        <p:nvSpPr>
+          <p:cNvPr id="98" name="文本框 97"/>
+          <p:cNvSpPr txBox="1"/>
+          <p:nvPr/>
+        </p:nvSpPr>
+        <p:spPr>
+          <a:xfrm>
+            <a:off x="1432920" y="1639289"/>
+            <a:ext cx="1600232" cy="246221"/>
+          </a:xfrm>
+          <a:prstGeom prst="rect">
+            <a:avLst/>
+          </a:prstGeom>
+          <a:noFill/>
+        </p:spPr>
+        <p:txBody>
+          <a:bodyPr wrap="square" lIns="0" tIns="0" rIns="0" bIns="0" rtlCol="0">
+            <a:spAutoFit/>
+          </a:bodyPr>
+          <a:lstStyle/>
+          <a:p>
+            <a:r>
+              <a:rPr lang="zh-CN" altLang="en-US" sz="1600" dirty="0">
+                <a:latin typeface="Calibri" panose="020F0502020204030204" charset="0"/>
+                <a:ea typeface="微软雅黑" panose="020B0503020204020204" charset="-122"/>
+              </a:rPr>
+              <a:t>❶ </a:t>
+            </a:r>
+            <a:r>
+              <a:rPr lang="en-US" altLang="zh-CN" sz="1600" dirty="0"/>
+              <a:t>class = 2</a:t>
+            </a:r>
+          </a:p>
+        </p:txBody>
+      </p:sp>
+      <p:cxnSp>
+        <p:nvCxnSpPr>
+          <p:cNvPr id="47" name="肘形连接符 335">
+            <a:extLst>
+              <a:ext uri="{FF2B5EF4-FFF2-40B4-BE49-F238E27FC236}">
+                <a16:creationId xmlns:a16="http://schemas.microsoft.com/office/drawing/2014/main" id="{18FDDE7A-9A24-F8B8-0553-895656497C4F}"/>
+              </a:ext>
+            </a:extLst>
+          </p:cNvPr>
+          <p:cNvCxnSpPr>
+            <a:cxnSpLocks/>
+            <a:stCxn id="356" idx="3"/>
+            <a:endCxn id="56" idx="1"/>
+          </p:cNvCxnSpPr>
+          <p:nvPr/>
+        </p:nvCxnSpPr>
+        <p:spPr>
+          <a:xfrm flipV="1">
+            <a:off x="6246088" y="1991718"/>
+            <a:ext cx="407262" cy="636684"/>
+          </a:xfrm>
+          <a:prstGeom prst="bentConnector3">
+            <a:avLst>
+              <a:gd name="adj1" fmla="val 50000"/>
+            </a:avLst>
+          </a:prstGeom>
+          <a:ln w="25400" cmpd="sng">
+            <a:solidFill>
+              <a:schemeClr val="bg1">
+                <a:lumMod val="50000"/>
+              </a:schemeClr>
+            </a:solidFill>
+            <a:prstDash val="dash"/>
+            <a:tailEnd type="arrow"/>
+          </a:ln>
+        </p:spPr>
+        <p:style>
+          <a:lnRef idx="1">
+            <a:schemeClr val="accent1"/>
+          </a:lnRef>
+          <a:fillRef idx="0">
+            <a:schemeClr val="accent1"/>
+          </a:fillRef>
+          <a:effectRef idx="0">
+            <a:schemeClr val="accent1"/>
+          </a:effectRef>
+          <a:fontRef idx="minor">
+            <a:schemeClr val="tx1"/>
+          </a:fontRef>
+        </p:style>
+      </p:cxnSp>
+      <p:sp>
+        <p:nvSpPr>
+          <p:cNvPr id="51" name="矩形 50">
+            <a:extLst>
+              <a:ext uri="{FF2B5EF4-FFF2-40B4-BE49-F238E27FC236}">
+                <a16:creationId xmlns:a16="http://schemas.microsoft.com/office/drawing/2014/main" id="{F2EDA637-021A-B30E-B25F-90F21A012034}"/>
+              </a:ext>
+            </a:extLst>
+          </p:cNvPr>
+          <p:cNvSpPr/>
+          <p:nvPr/>
+        </p:nvSpPr>
+        <p:spPr>
+          <a:xfrm>
+            <a:off x="6980783" y="1774354"/>
+            <a:ext cx="215900" cy="18000"/>
+          </a:xfrm>
+          <a:prstGeom prst="rect">
+            <a:avLst/>
+          </a:prstGeom>
+          <a:solidFill>
+            <a:srgbClr val="7030A0"/>
+          </a:solidFill>
+          <a:ln w="15875" cmpd="sng">
+            <a:solidFill>
+              <a:srgbClr val="7030A0"/>
+            </a:solidFill>
+            <a:prstDash val="solid"/>
+          </a:ln>
+        </p:spPr>
+        <p:style>
+          <a:lnRef idx="1">
+            <a:schemeClr val="accent1"/>
+          </a:lnRef>
+          <a:fillRef idx="0">
+            <a:schemeClr val="accent1"/>
+          </a:fillRef>
+          <a:effectRef idx="0">
+            <a:schemeClr val="accent1"/>
+          </a:effectRef>
+          <a:fontRef idx="minor">
+            <a:schemeClr val="tx1"/>
+          </a:fontRef>
+        </p:style>
+        <p:txBody>
+          <a:bodyPr rtlCol="0" anchor="ctr"/>
+          <a:lstStyle/>
+          <a:p>
+            <a:pPr algn="ctr"/>
+            <a:endParaRPr lang="zh-CN" altLang="en-US"/>
+          </a:p>
+        </p:txBody>
+      </p:sp>
+      <p:sp>
+        <p:nvSpPr>
+          <p:cNvPr id="56" name="矩形 55">
+            <a:extLst>
+              <a:ext uri="{FF2B5EF4-FFF2-40B4-BE49-F238E27FC236}">
+                <a16:creationId xmlns:a16="http://schemas.microsoft.com/office/drawing/2014/main" id="{0019BC4E-E3D8-D752-FD13-00D7F94EF1AD}"/>
+              </a:ext>
+            </a:extLst>
+          </p:cNvPr>
+          <p:cNvSpPr/>
+          <p:nvPr/>
+        </p:nvSpPr>
+        <p:spPr>
+          <a:xfrm>
+            <a:off x="6653350" y="1982718"/>
+            <a:ext cx="215900" cy="18000"/>
+          </a:xfrm>
+          <a:prstGeom prst="rect">
+            <a:avLst/>
+          </a:prstGeom>
+          <a:solidFill>
+            <a:srgbClr val="7030A0"/>
+          </a:solidFill>
+          <a:ln w="15875" cmpd="sng">
+            <a:solidFill>
+              <a:srgbClr val="7030A0"/>
+            </a:solidFill>
+            <a:prstDash val="solid"/>
+          </a:ln>
+        </p:spPr>
+        <p:style>
+          <a:lnRef idx="1">
+            <a:schemeClr val="accent1"/>
+          </a:lnRef>
+          <a:fillRef idx="0">
+            <a:schemeClr val="accent1"/>
+          </a:fillRef>
+          <a:effectRef idx="0">
+            <a:schemeClr val="accent1"/>
+          </a:effectRef>
+          <a:fontRef idx="minor">
+            <a:schemeClr val="tx1"/>
+          </a:fontRef>
+        </p:style>
+        <p:txBody>
+          <a:bodyPr rtlCol="0" anchor="ctr"/>
+          <a:lstStyle/>
+          <a:p>
+            <a:pPr algn="ctr"/>
+            <a:endParaRPr lang="zh-CN" altLang="en-US"/>
+          </a:p>
+        </p:txBody>
+      </p:sp>
+      <p:sp>
+        <p:nvSpPr>
+          <p:cNvPr id="62" name="左弧形箭头 126">
+            <a:extLst>
+              <a:ext uri="{FF2B5EF4-FFF2-40B4-BE49-F238E27FC236}">
+                <a16:creationId xmlns:a16="http://schemas.microsoft.com/office/drawing/2014/main" id="{267FA707-CEBE-BAE2-8DDD-3DDBA58FE48C}"/>
+              </a:ext>
+            </a:extLst>
+          </p:cNvPr>
+          <p:cNvSpPr/>
+          <p:nvPr/>
+        </p:nvSpPr>
+        <p:spPr>
+          <a:xfrm flipH="1">
+            <a:off x="7097442" y="1770140"/>
+            <a:ext cx="215265" cy="765810"/>
+          </a:xfrm>
+          <a:prstGeom prst="curvedRightArrow">
+            <a:avLst/>
+          </a:prstGeom>
+          <a:solidFill>
+            <a:srgbClr val="E3C496"/>
+          </a:solidFill>
+          <a:ln>
+            <a:solidFill>
+              <a:srgbClr val="E3C496"/>
+            </a:solidFill>
+          </a:ln>
+        </p:spPr>
+        <p:style>
+          <a:lnRef idx="2">
+            <a:schemeClr val="accent1">
+              <a:shade val="50000"/>
+            </a:schemeClr>
+          </a:lnRef>
+          <a:fillRef idx="1">
+            <a:schemeClr val="accent1"/>
+          </a:fillRef>
+          <a:effectRef idx="0">
+            <a:schemeClr val="accent1"/>
+          </a:effectRef>
+          <a:fontRef idx="minor">
+            <a:schemeClr val="lt1"/>
+          </a:fontRef>
+        </p:style>
+        <p:txBody>
+          <a:bodyPr anchor="ctr"/>
+          <a:lstStyle/>
+          <a:p>
+            <a:pPr algn="ctr"/>
+            <a:endParaRPr lang="zh-CN" altLang="en-US" noProof="1">
+              <a:solidFill>
+                <a:schemeClr val="tx1"/>
+              </a:solidFill>
+            </a:endParaRPr>
+          </a:p>
+        </p:txBody>
+      </p:sp>
+      <p:sp>
+        <p:nvSpPr>
+          <p:cNvPr id="55" name="文本框 54">
+            <a:extLst>
+              <a:ext uri="{FF2B5EF4-FFF2-40B4-BE49-F238E27FC236}">
+                <a16:creationId xmlns:a16="http://schemas.microsoft.com/office/drawing/2014/main" id="{298EB27A-2788-287F-03E0-3EBB12C18599}"/>
+              </a:ext>
+            </a:extLst>
+          </p:cNvPr>
+          <p:cNvSpPr txBox="1"/>
+          <p:nvPr/>
+        </p:nvSpPr>
+        <p:spPr>
+          <a:xfrm>
+            <a:off x="7170110" y="1970809"/>
+            <a:ext cx="1183083" cy="246221"/>
+          </a:xfrm>
+          <a:prstGeom prst="rect">
+            <a:avLst/>
+          </a:prstGeom>
+          <a:noFill/>
+        </p:spPr>
+        <p:txBody>
+          <a:bodyPr wrap="square" lIns="0" tIns="0" rIns="0" bIns="0" rtlCol="0">
+            <a:spAutoFit/>
+          </a:bodyPr>
+          <a:lstStyle/>
+          <a:p>
+            <a:r>
+              <a:rPr lang="en-US" altLang="zh-CN" sz="1600" dirty="0"/>
+              <a:t>(C) Rewind</a:t>
+            </a:r>
+          </a:p>
+        </p:txBody>
+      </p:sp>
+      <p:sp>
+        <p:nvSpPr>
+          <p:cNvPr id="63" name="矩形 62">
+            <a:extLst>
+              <a:ext uri="{FF2B5EF4-FFF2-40B4-BE49-F238E27FC236}">
+                <a16:creationId xmlns:a16="http://schemas.microsoft.com/office/drawing/2014/main" id="{50B8F19B-220C-74E5-C862-DC8878B17B41}"/>
+              </a:ext>
+            </a:extLst>
+          </p:cNvPr>
+          <p:cNvSpPr/>
+          <p:nvPr/>
+        </p:nvSpPr>
+        <p:spPr>
+          <a:xfrm>
+            <a:off x="6983323" y="2524127"/>
+            <a:ext cx="215900" cy="18000"/>
+          </a:xfrm>
+          <a:prstGeom prst="rect">
+            <a:avLst/>
+          </a:prstGeom>
+          <a:solidFill>
+            <a:srgbClr val="7030A0"/>
+          </a:solidFill>
+          <a:ln w="15875" cmpd="sng">
+            <a:solidFill>
+              <a:srgbClr val="7030A0"/>
+            </a:solidFill>
+            <a:prstDash val="solid"/>
+          </a:ln>
+        </p:spPr>
+        <p:style>
+          <a:lnRef idx="1">
+            <a:schemeClr val="accent1"/>
+          </a:lnRef>
+          <a:fillRef idx="0">
+            <a:schemeClr val="accent1"/>
+          </a:fillRef>
+          <a:effectRef idx="0">
+            <a:schemeClr val="accent1"/>
+          </a:effectRef>
+          <a:fontRef idx="minor">
+            <a:schemeClr val="tx1"/>
+          </a:fontRef>
+        </p:style>
+        <p:txBody>
+          <a:bodyPr rtlCol="0" anchor="ctr"/>
+          <a:lstStyle/>
+          <a:p>
+            <a:pPr algn="ctr"/>
+            <a:endParaRPr lang="zh-CN" altLang="en-US"/>
+          </a:p>
+        </p:txBody>
+      </p:sp>
     </p:spTree>
   </p:cSld>
   <p:clrMapOvr>

--- a/PPT/DESIGN3.3 update workflow.pptx
+++ b/PPT/DESIGN3.3 update workflow.pptx
@@ -3365,18 +3365,19 @@
         </p:nvCxnSpPr>
         <p:spPr>
           <a:xfrm>
-            <a:off x="1372917" y="1617667"/>
+            <a:off x="1515039" y="1617667"/>
             <a:ext cx="0" cy="289466"/>
           </a:xfrm>
           <a:prstGeom prst="straightConnector1">
             <a:avLst/>
           </a:prstGeom>
-          <a:ln w="22225">
+          <a:ln w="25400" cmpd="sng">
             <a:solidFill>
               <a:schemeClr val="bg1">
                 <a:lumMod val="50000"/>
               </a:schemeClr>
             </a:solidFill>
+            <a:prstDash val="solid"/>
             <a:tailEnd type="arrow"/>
           </a:ln>
         </p:spPr>
@@ -3404,7 +3405,7 @@
         <p:spPr>
           <a:xfrm>
             <a:off x="8631148" y="3151900"/>
-            <a:ext cx="1466215" cy="215444"/>
+            <a:ext cx="1466215" cy="246221"/>
           </a:xfrm>
           <a:prstGeom prst="rect">
             <a:avLst/>
@@ -3419,7 +3420,7 @@
           <a:p>
             <a:pPr algn="ctr"/>
             <a:r>
-              <a:rPr lang="en-US" altLang="zh-CN" sz="1400" dirty="0"/>
+              <a:rPr lang="en-US" altLang="zh-CN" sz="1600" dirty="0"/>
               <a:t>Segment Pool</a:t>
             </a:r>
           </a:p>
@@ -3948,7 +3949,7 @@
           <a:p>
             <a:r>
               <a:rPr lang="en-US" altLang="zh-CN" dirty="0"/>
-              <a:t>n-2</a:t>
+              <a:t>N-2</a:t>
             </a:r>
           </a:p>
         </p:txBody>
@@ -3984,7 +3985,7 @@
           <a:p>
             <a:r>
               <a:rPr lang="en-US" altLang="zh-CN" dirty="0"/>
-              <a:t>n-1</a:t>
+              <a:t>N-1</a:t>
             </a:r>
           </a:p>
         </p:txBody>
@@ -8111,7 +8112,7 @@
         </p:nvSpPr>
         <p:spPr>
           <a:xfrm>
-            <a:off x="7345044" y="3508546"/>
+            <a:off x="7164090" y="3537743"/>
             <a:ext cx="222885" cy="230505"/>
           </a:xfrm>
           <a:prstGeom prst="rect">
@@ -8162,7 +8163,7 @@
         </p:nvSpPr>
         <p:spPr>
           <a:xfrm>
-            <a:off x="8283574" y="3508546"/>
+            <a:off x="8044585" y="3537743"/>
             <a:ext cx="222885" cy="230505"/>
           </a:xfrm>
           <a:prstGeom prst="rect">
@@ -8213,7 +8214,7 @@
         </p:nvSpPr>
         <p:spPr>
           <a:xfrm>
-            <a:off x="6302354" y="3508546"/>
+            <a:off x="6063365" y="3537743"/>
             <a:ext cx="222885" cy="230505"/>
           </a:xfrm>
           <a:prstGeom prst="rect">
@@ -8264,8 +8265,8 @@
         </p:nvSpPr>
         <p:spPr>
           <a:xfrm>
-            <a:off x="7621269" y="3476474"/>
-            <a:ext cx="734695" cy="215444"/>
+            <a:off x="7440315" y="3505671"/>
+            <a:ext cx="734695" cy="246221"/>
           </a:xfrm>
           <a:prstGeom prst="rect">
             <a:avLst/>
@@ -8280,7 +8281,7 @@
           <a:p>
             <a:pPr algn="l"/>
             <a:r>
-              <a:rPr lang="en-US" altLang="zh-CN" sz="1400" dirty="0"/>
+              <a:rPr lang="en-US" altLang="zh-CN" sz="1600" dirty="0"/>
               <a:t>valid</a:t>
             </a:r>
           </a:p>
@@ -8294,8 +8295,8 @@
         </p:nvSpPr>
         <p:spPr>
           <a:xfrm>
-            <a:off x="8580119" y="3476474"/>
-            <a:ext cx="883285" cy="215444"/>
+            <a:off x="8341130" y="3505671"/>
+            <a:ext cx="883285" cy="246221"/>
           </a:xfrm>
           <a:prstGeom prst="rect">
             <a:avLst/>
@@ -8310,7 +8311,7 @@
           <a:p>
             <a:pPr algn="l"/>
             <a:r>
-              <a:rPr lang="en-US" altLang="zh-CN" sz="1400" dirty="0"/>
+              <a:rPr lang="en-US" altLang="zh-CN" sz="1600" dirty="0"/>
               <a:t>stale</a:t>
             </a:r>
           </a:p>
@@ -8324,8 +8325,8 @@
         </p:nvSpPr>
         <p:spPr>
           <a:xfrm>
-            <a:off x="6594679" y="3476474"/>
-            <a:ext cx="984250" cy="215444"/>
+            <a:off x="6355690" y="3505671"/>
+            <a:ext cx="741752" cy="246221"/>
           </a:xfrm>
           <a:prstGeom prst="rect">
             <a:avLst/>
@@ -8340,7 +8341,7 @@
           <a:p>
             <a:pPr algn="l"/>
             <a:r>
-              <a:rPr lang="en-US" altLang="zh-CN" sz="1400" dirty="0"/>
+              <a:rPr lang="en-US" altLang="zh-CN" sz="1600" dirty="0"/>
               <a:t>unused</a:t>
             </a:r>
           </a:p>
@@ -8356,7 +8357,7 @@
         </p:nvCxnSpPr>
         <p:spPr>
           <a:xfrm>
-            <a:off x="9089296" y="3608710"/>
+            <a:off x="8850307" y="3637907"/>
             <a:ext cx="215900" cy="0"/>
           </a:xfrm>
           <a:prstGeom prst="line">
@@ -8392,8 +8393,8 @@
         </p:nvSpPr>
         <p:spPr>
           <a:xfrm>
-            <a:off x="9385206" y="3476474"/>
-            <a:ext cx="1376680" cy="215444"/>
+            <a:off x="9146217" y="3505671"/>
+            <a:ext cx="1376680" cy="246221"/>
           </a:xfrm>
           <a:prstGeom prst="rect">
             <a:avLst/>
@@ -8408,7 +8409,7 @@
           <a:p>
             <a:pPr algn="l"/>
             <a:r>
-              <a:rPr lang="en-US" altLang="zh-CN" sz="1400" dirty="0"/>
+              <a:rPr lang="en-US" altLang="zh-CN" sz="1600" dirty="0"/>
               <a:t>tail pointer</a:t>
             </a:r>
           </a:p>
@@ -8424,7 +8425,7 @@
         </p:nvCxnSpPr>
         <p:spPr>
           <a:xfrm>
-            <a:off x="10340881" y="3608710"/>
+            <a:off x="10137850" y="3637907"/>
             <a:ext cx="215900" cy="0"/>
           </a:xfrm>
           <a:prstGeom prst="line">
@@ -8460,8 +8461,8 @@
         </p:nvSpPr>
         <p:spPr>
           <a:xfrm>
-            <a:off x="10647793" y="3476474"/>
-            <a:ext cx="1814830" cy="215444"/>
+            <a:off x="10408804" y="3505671"/>
+            <a:ext cx="1814830" cy="246221"/>
           </a:xfrm>
           <a:prstGeom prst="rect">
             <a:avLst/>
@@ -8476,7 +8477,7 @@
           <a:p>
             <a:pPr algn="l"/>
             <a:r>
-              <a:rPr lang="en-US" altLang="zh-CN" sz="1400" dirty="0"/>
+              <a:rPr lang="en-US" altLang="zh-CN" sz="1600" dirty="0"/>
               <a:t>switching threshold</a:t>
             </a:r>
           </a:p>
@@ -8490,8 +8491,8 @@
         </p:nvSpPr>
         <p:spPr>
           <a:xfrm>
-            <a:off x="376355" y="644716"/>
-            <a:ext cx="1993123" cy="246221"/>
+            <a:off x="376354" y="644716"/>
+            <a:ext cx="2277369" cy="246221"/>
           </a:xfrm>
           <a:prstGeom prst="rect">
             <a:avLst/>
@@ -8524,13 +8525,13 @@
         </p:nvCxnSpPr>
         <p:spPr>
           <a:xfrm>
-            <a:off x="1372917" y="890937"/>
+            <a:off x="1515039" y="890937"/>
             <a:ext cx="0" cy="358943"/>
           </a:xfrm>
           <a:prstGeom prst="straightConnector1">
             <a:avLst/>
           </a:prstGeom>
-          <a:ln w="22225" cmpd="sng">
+          <a:ln w="25400" cmpd="sng">
             <a:solidFill>
               <a:schemeClr val="bg1">
                 <a:lumMod val="50000"/>
@@ -8555,36 +8556,6 @@
           </a:fontRef>
         </p:style>
       </p:cxnSp>
-      <p:sp>
-        <p:nvSpPr>
-          <p:cNvPr id="334" name="文本框 333"/>
-          <p:cNvSpPr txBox="1"/>
-          <p:nvPr/>
-        </p:nvSpPr>
-        <p:spPr>
-          <a:xfrm>
-            <a:off x="2926491" y="1845871"/>
-            <a:ext cx="1183083" cy="246221"/>
-          </a:xfrm>
-          <a:prstGeom prst="rect">
-            <a:avLst/>
-          </a:prstGeom>
-          <a:noFill/>
-        </p:spPr>
-        <p:txBody>
-          <a:bodyPr wrap="square" lIns="0" tIns="0" rIns="0" bIns="0" rtlCol="0">
-            <a:spAutoFit/>
-          </a:bodyPr>
-          <a:lstStyle/>
-          <a:p>
-            <a:pPr algn="ctr"/>
-            <a:r>
-              <a:rPr lang="en-US" altLang="zh-CN" sz="1600" dirty="0"/>
-              <a:t>(B) Append</a:t>
-            </a:r>
-          </a:p>
-        </p:txBody>
-      </p:sp>
       <p:cxnSp>
         <p:nvCxnSpPr>
           <p:cNvPr id="336" name="肘形连接符 335"/>
@@ -8598,11 +8569,11 @@
         <p:spPr>
           <a:xfrm flipV="1">
             <a:off x="6213300" y="1783354"/>
-            <a:ext cx="767483" cy="479288"/>
+            <a:ext cx="767483" cy="1033960"/>
           </a:xfrm>
           <a:prstGeom prst="bentConnector3">
             <a:avLst>
-              <a:gd name="adj1" fmla="val 10948"/>
+              <a:gd name="adj1" fmla="val 17422"/>
             </a:avLst>
           </a:prstGeom>
           <a:ln w="25400" cmpd="sng">
@@ -8630,561 +8601,6 @@
           </a:fontRef>
         </p:style>
       </p:cxnSp>
-      <p:sp>
-        <p:nvSpPr>
-          <p:cNvPr id="339" name="圆角矩形标注 338"/>
-          <p:cNvSpPr/>
-          <p:nvPr/>
-        </p:nvSpPr>
-        <p:spPr>
-          <a:xfrm>
-            <a:off x="2899151" y="2145425"/>
-            <a:ext cx="3349625" cy="638810"/>
-          </a:xfrm>
-          <a:prstGeom prst="wedgeRoundRectCallout">
-            <a:avLst>
-              <a:gd name="adj1" fmla="val -3687"/>
-              <a:gd name="adj2" fmla="val -66430"/>
-              <a:gd name="adj3" fmla="val 16667"/>
-            </a:avLst>
-          </a:prstGeom>
-          <a:solidFill>
-            <a:schemeClr val="bg1">
-              <a:lumMod val="95000"/>
-            </a:schemeClr>
-          </a:solidFill>
-          <a:ln w="25400">
-            <a:solidFill>
-              <a:schemeClr val="bg1">
-                <a:lumMod val="65000"/>
-              </a:schemeClr>
-            </a:solidFill>
-          </a:ln>
-        </p:spPr>
-        <p:style>
-          <a:lnRef idx="2">
-            <a:schemeClr val="accent1">
-              <a:shade val="50000"/>
-            </a:schemeClr>
-          </a:lnRef>
-          <a:fillRef idx="1">
-            <a:schemeClr val="accent1"/>
-          </a:fillRef>
-          <a:effectRef idx="0">
-            <a:schemeClr val="accent1"/>
-          </a:effectRef>
-          <a:fontRef idx="minor">
-            <a:schemeClr val="lt1"/>
-          </a:fontRef>
-        </p:style>
-        <p:txBody>
-          <a:bodyPr rtlCol="0" anchor="ctr"/>
-          <a:lstStyle/>
-          <a:p>
-            <a:pPr algn="ctr"/>
-            <a:endParaRPr lang="zh-CN" altLang="en-US" sz="100"/>
-          </a:p>
-        </p:txBody>
-      </p:sp>
-      <p:cxnSp>
-        <p:nvCxnSpPr>
-          <p:cNvPr id="340" name="直接连接符 339"/>
-          <p:cNvCxnSpPr/>
-          <p:nvPr/>
-        </p:nvCxnSpPr>
-        <p:spPr>
-          <a:xfrm>
-            <a:off x="3000116" y="2447050"/>
-            <a:ext cx="1036320" cy="0"/>
-          </a:xfrm>
-          <a:prstGeom prst="line">
-            <a:avLst/>
-          </a:prstGeom>
-          <a:ln w="25400">
-            <a:solidFill>
-              <a:schemeClr val="bg1">
-                <a:lumMod val="50000"/>
-              </a:schemeClr>
-            </a:solidFill>
-          </a:ln>
-        </p:spPr>
-        <p:style>
-          <a:lnRef idx="1">
-            <a:schemeClr val="accent1"/>
-          </a:lnRef>
-          <a:fillRef idx="0">
-            <a:schemeClr val="accent1"/>
-          </a:fillRef>
-          <a:effectRef idx="0">
-            <a:schemeClr val="accent1"/>
-          </a:effectRef>
-          <a:fontRef idx="minor">
-            <a:schemeClr val="tx1"/>
-          </a:fontRef>
-        </p:style>
-      </p:cxnSp>
-      <p:cxnSp>
-        <p:nvCxnSpPr>
-          <p:cNvPr id="351" name="直接连接符 350"/>
-          <p:cNvCxnSpPr/>
-          <p:nvPr/>
-        </p:nvCxnSpPr>
-        <p:spPr>
-          <a:xfrm>
-            <a:off x="4025006" y="2259090"/>
-            <a:ext cx="0" cy="213995"/>
-          </a:xfrm>
-          <a:prstGeom prst="line">
-            <a:avLst/>
-          </a:prstGeom>
-          <a:ln w="25400" cmpd="sng">
-            <a:solidFill>
-              <a:schemeClr val="bg1">
-                <a:lumMod val="50000"/>
-              </a:schemeClr>
-            </a:solidFill>
-            <a:prstDash val="solid"/>
-          </a:ln>
-        </p:spPr>
-        <p:style>
-          <a:lnRef idx="1">
-            <a:schemeClr val="accent1"/>
-          </a:lnRef>
-          <a:fillRef idx="0">
-            <a:schemeClr val="accent1"/>
-          </a:fillRef>
-          <a:effectRef idx="0">
-            <a:schemeClr val="accent1"/>
-          </a:effectRef>
-          <a:fontRef idx="minor">
-            <a:schemeClr val="tx1"/>
-          </a:fontRef>
-        </p:style>
-      </p:cxnSp>
-      <p:cxnSp>
-        <p:nvCxnSpPr>
-          <p:cNvPr id="352" name="直接箭头连接符 351"/>
-          <p:cNvCxnSpPr/>
-          <p:nvPr/>
-        </p:nvCxnSpPr>
-        <p:spPr>
-          <a:xfrm>
-            <a:off x="4022466" y="2257185"/>
-            <a:ext cx="452755" cy="0"/>
-          </a:xfrm>
-          <a:prstGeom prst="straightConnector1">
-            <a:avLst/>
-          </a:prstGeom>
-          <a:ln w="25400" cmpd="sng">
-            <a:solidFill>
-              <a:schemeClr val="bg1">
-                <a:lumMod val="50000"/>
-              </a:schemeClr>
-            </a:solidFill>
-            <a:prstDash val="solid"/>
-            <a:tailEnd type="arrow"/>
-          </a:ln>
-        </p:spPr>
-        <p:style>
-          <a:lnRef idx="1">
-            <a:schemeClr val="accent1"/>
-          </a:lnRef>
-          <a:fillRef idx="0">
-            <a:schemeClr val="accent1"/>
-          </a:fillRef>
-          <a:effectRef idx="0">
-            <a:schemeClr val="accent1"/>
-          </a:effectRef>
-          <a:fontRef idx="minor">
-            <a:schemeClr val="tx1"/>
-          </a:fontRef>
-        </p:style>
-      </p:cxnSp>
-      <p:sp>
-        <p:nvSpPr>
-          <p:cNvPr id="349" name="文本框 348"/>
-          <p:cNvSpPr txBox="1"/>
-          <p:nvPr/>
-        </p:nvSpPr>
-        <p:spPr>
-          <a:xfrm>
-            <a:off x="4036436" y="2451790"/>
-            <a:ext cx="373662" cy="184666"/>
-          </a:xfrm>
-          <a:prstGeom prst="rect">
-            <a:avLst/>
-          </a:prstGeom>
-          <a:noFill/>
-        </p:spPr>
-        <p:txBody>
-          <a:bodyPr wrap="square" lIns="0" tIns="0" rIns="0" bIns="0" rtlCol="0">
-            <a:spAutoFit/>
-          </a:bodyPr>
-          <a:lstStyle/>
-          <a:p>
-            <a:pPr algn="ctr"/>
-            <a:r>
-              <a:rPr lang="en-US" altLang="zh-CN" sz="1200" dirty="0"/>
-              <a:t>No</a:t>
-            </a:r>
-          </a:p>
-        </p:txBody>
-      </p:sp>
-      <p:cxnSp>
-        <p:nvCxnSpPr>
-          <p:cNvPr id="341" name="直接连接符 340"/>
-          <p:cNvCxnSpPr/>
-          <p:nvPr/>
-        </p:nvCxnSpPr>
-        <p:spPr>
-          <a:xfrm>
-            <a:off x="4025006" y="2445780"/>
-            <a:ext cx="0" cy="187960"/>
-          </a:xfrm>
-          <a:prstGeom prst="line">
-            <a:avLst/>
-          </a:prstGeom>
-          <a:ln w="25400" cmpd="sng">
-            <a:solidFill>
-              <a:schemeClr val="bg1">
-                <a:lumMod val="50000"/>
-              </a:schemeClr>
-            </a:solidFill>
-            <a:prstDash val="dash"/>
-            <a:tailEnd type="none"/>
-          </a:ln>
-        </p:spPr>
-        <p:style>
-          <a:lnRef idx="1">
-            <a:schemeClr val="accent1"/>
-          </a:lnRef>
-          <a:fillRef idx="0">
-            <a:schemeClr val="accent1"/>
-          </a:fillRef>
-          <a:effectRef idx="0">
-            <a:schemeClr val="accent1"/>
-          </a:effectRef>
-          <a:fontRef idx="minor">
-            <a:schemeClr val="tx1"/>
-          </a:fontRef>
-        </p:style>
-      </p:cxnSp>
-      <p:sp>
-        <p:nvSpPr>
-          <p:cNvPr id="347" name="文本框 346"/>
-          <p:cNvSpPr txBox="1"/>
-          <p:nvPr/>
-        </p:nvSpPr>
-        <p:spPr>
-          <a:xfrm>
-            <a:off x="3089651" y="2205115"/>
-            <a:ext cx="906780" cy="388620"/>
-          </a:xfrm>
-          <a:prstGeom prst="rect">
-            <a:avLst/>
-          </a:prstGeom>
-          <a:noFill/>
-        </p:spPr>
-        <p:txBody>
-          <a:bodyPr wrap="square" rtlCol="0">
-            <a:noAutofit/>
-          </a:bodyPr>
-          <a:lstStyle/>
-          <a:p>
-            <a:pPr algn="ctr"/>
-            <a:r>
-              <a:rPr lang="en-US" altLang="zh-CN" sz="1200" dirty="0"/>
-              <a:t>Reach</a:t>
-            </a:r>
-            <a:br>
-              <a:rPr lang="en-US" altLang="zh-CN" sz="1200" dirty="0"/>
-            </a:br>
-            <a:r>
-              <a:rPr lang="en-US" altLang="zh-CN" sz="1200" dirty="0"/>
-              <a:t>threshold?</a:t>
-            </a:r>
-          </a:p>
-        </p:txBody>
-      </p:sp>
-      <p:sp>
-        <p:nvSpPr>
-          <p:cNvPr id="350" name="文本框 349"/>
-          <p:cNvSpPr txBox="1"/>
-          <p:nvPr/>
-        </p:nvSpPr>
-        <p:spPr>
-          <a:xfrm>
-            <a:off x="4051698" y="2239524"/>
-            <a:ext cx="391908" cy="184666"/>
-          </a:xfrm>
-          <a:prstGeom prst="rect">
-            <a:avLst/>
-          </a:prstGeom>
-          <a:noFill/>
-        </p:spPr>
-        <p:txBody>
-          <a:bodyPr wrap="square" lIns="0" tIns="0" rIns="0" bIns="0" rtlCol="0">
-            <a:spAutoFit/>
-          </a:bodyPr>
-          <a:lstStyle/>
-          <a:p>
-            <a:pPr algn="ctr"/>
-            <a:r>
-              <a:rPr lang="en-US" altLang="zh-CN" sz="1200" dirty="0"/>
-              <a:t>Yes</a:t>
-            </a:r>
-          </a:p>
-        </p:txBody>
-      </p:sp>
-      <p:cxnSp>
-        <p:nvCxnSpPr>
-          <p:cNvPr id="353" name="直接箭头连接符 352"/>
-          <p:cNvCxnSpPr/>
-          <p:nvPr/>
-        </p:nvCxnSpPr>
-        <p:spPr>
-          <a:xfrm>
-            <a:off x="4025006" y="2633740"/>
-            <a:ext cx="1638935" cy="0"/>
-          </a:xfrm>
-          <a:prstGeom prst="straightConnector1">
-            <a:avLst/>
-          </a:prstGeom>
-          <a:ln w="25400" cmpd="sng">
-            <a:solidFill>
-              <a:schemeClr val="bg1">
-                <a:lumMod val="50000"/>
-              </a:schemeClr>
-            </a:solidFill>
-            <a:prstDash val="dash"/>
-            <a:tailEnd type="arrow"/>
-          </a:ln>
-        </p:spPr>
-        <p:style>
-          <a:lnRef idx="1">
-            <a:schemeClr val="accent1"/>
-          </a:lnRef>
-          <a:fillRef idx="0">
-            <a:schemeClr val="accent1"/>
-          </a:fillRef>
-          <a:effectRef idx="0">
-            <a:schemeClr val="accent1"/>
-          </a:effectRef>
-          <a:fontRef idx="minor">
-            <a:schemeClr val="tx1"/>
-          </a:fontRef>
-        </p:style>
-      </p:cxnSp>
-      <p:sp>
-        <p:nvSpPr>
-          <p:cNvPr id="354" name="文本框 353"/>
-          <p:cNvSpPr txBox="1"/>
-          <p:nvPr/>
-        </p:nvSpPr>
-        <p:spPr>
-          <a:xfrm>
-            <a:off x="4473203" y="2162947"/>
-            <a:ext cx="864771" cy="184666"/>
-          </a:xfrm>
-          <a:prstGeom prst="rect">
-            <a:avLst/>
-          </a:prstGeom>
-          <a:noFill/>
-        </p:spPr>
-        <p:txBody>
-          <a:bodyPr wrap="square" lIns="0" tIns="0" rIns="0" bIns="0" rtlCol="0">
-            <a:spAutoFit/>
-          </a:bodyPr>
-          <a:lstStyle/>
-          <a:p>
-            <a:pPr algn="ctr"/>
-            <a:r>
-              <a:rPr lang="en-US" altLang="zh-CN" sz="1200" dirty="0"/>
-              <a:t>Seg switch</a:t>
-            </a:r>
-          </a:p>
-        </p:txBody>
-      </p:sp>
-      <p:cxnSp>
-        <p:nvCxnSpPr>
-          <p:cNvPr id="355" name="直接箭头连接符 354"/>
-          <p:cNvCxnSpPr/>
-          <p:nvPr/>
-        </p:nvCxnSpPr>
-        <p:spPr>
-          <a:xfrm>
-            <a:off x="5342631" y="2271232"/>
-            <a:ext cx="321310" cy="0"/>
-          </a:xfrm>
-          <a:prstGeom prst="straightConnector1">
-            <a:avLst/>
-          </a:prstGeom>
-          <a:ln w="25400" cmpd="sng">
-            <a:solidFill>
-              <a:schemeClr val="bg1">
-                <a:lumMod val="50000"/>
-              </a:schemeClr>
-            </a:solidFill>
-            <a:prstDash val="solid"/>
-            <a:tailEnd type="arrow"/>
-          </a:ln>
-        </p:spPr>
-        <p:style>
-          <a:lnRef idx="1">
-            <a:schemeClr val="accent1"/>
-          </a:lnRef>
-          <a:fillRef idx="0">
-            <a:schemeClr val="accent1"/>
-          </a:fillRef>
-          <a:effectRef idx="0">
-            <a:schemeClr val="accent1"/>
-          </a:effectRef>
-          <a:fontRef idx="minor">
-            <a:schemeClr val="tx1"/>
-          </a:fontRef>
-        </p:style>
-      </p:cxnSp>
-      <p:sp>
-        <p:nvSpPr>
-          <p:cNvPr id="356" name="文本框 355"/>
-          <p:cNvSpPr txBox="1"/>
-          <p:nvPr/>
-        </p:nvSpPr>
-        <p:spPr>
-          <a:xfrm>
-            <a:off x="5584417" y="2536069"/>
-            <a:ext cx="661671" cy="184666"/>
-          </a:xfrm>
-          <a:prstGeom prst="rect">
-            <a:avLst/>
-          </a:prstGeom>
-          <a:noFill/>
-        </p:spPr>
-        <p:txBody>
-          <a:bodyPr wrap="square" lIns="0" tIns="0" rIns="0" bIns="0" rtlCol="0">
-            <a:spAutoFit/>
-          </a:bodyPr>
-          <a:lstStyle/>
-          <a:p>
-            <a:pPr algn="ctr"/>
-            <a:r>
-              <a:rPr lang="en-US" altLang="zh-CN" sz="1200" dirty="0"/>
-              <a:t>append</a:t>
-            </a:r>
-          </a:p>
-        </p:txBody>
-      </p:sp>
-      <p:sp>
-        <p:nvSpPr>
-          <p:cNvPr id="359" name="文本框 358"/>
-          <p:cNvSpPr txBox="1"/>
-          <p:nvPr/>
-        </p:nvSpPr>
-        <p:spPr>
-          <a:xfrm>
-            <a:off x="5595848" y="2170309"/>
-            <a:ext cx="617452" cy="184666"/>
-          </a:xfrm>
-          <a:prstGeom prst="rect">
-            <a:avLst/>
-          </a:prstGeom>
-          <a:noFill/>
-        </p:spPr>
-        <p:txBody>
-          <a:bodyPr wrap="square" lIns="0" tIns="0" rIns="0" bIns="0" rtlCol="0">
-            <a:spAutoFit/>
-          </a:bodyPr>
-          <a:lstStyle/>
-          <a:p>
-            <a:pPr algn="ctr"/>
-            <a:r>
-              <a:rPr lang="en-US" altLang="zh-CN" sz="1200" dirty="0"/>
-              <a:t>append</a:t>
-            </a:r>
-          </a:p>
-        </p:txBody>
-      </p:sp>
-      <p:sp>
-        <p:nvSpPr>
-          <p:cNvPr id="360" name="圆角矩形 359"/>
-          <p:cNvSpPr/>
-          <p:nvPr/>
-        </p:nvSpPr>
-        <p:spPr>
-          <a:xfrm>
-            <a:off x="2932806" y="747790"/>
-            <a:ext cx="3092450" cy="941070"/>
-          </a:xfrm>
-          <a:prstGeom prst="roundRect">
-            <a:avLst/>
-          </a:prstGeom>
-          <a:solidFill>
-            <a:schemeClr val="bg1">
-              <a:lumMod val="95000"/>
-            </a:schemeClr>
-          </a:solidFill>
-          <a:ln w="25400">
-            <a:solidFill>
-              <a:schemeClr val="bg1">
-                <a:lumMod val="65000"/>
-              </a:schemeClr>
-            </a:solidFill>
-          </a:ln>
-        </p:spPr>
-        <p:style>
-          <a:lnRef idx="2">
-            <a:schemeClr val="accent1">
-              <a:shade val="50000"/>
-            </a:schemeClr>
-          </a:lnRef>
-          <a:fillRef idx="1">
-            <a:schemeClr val="accent1"/>
-          </a:fillRef>
-          <a:effectRef idx="0">
-            <a:schemeClr val="accent1"/>
-          </a:effectRef>
-          <a:fontRef idx="minor">
-            <a:schemeClr val="lt1"/>
-          </a:fontRef>
-        </p:style>
-        <p:txBody>
-          <a:bodyPr rtlCol="0" anchor="ctr"/>
-          <a:lstStyle/>
-          <a:p>
-            <a:pPr algn="ctr"/>
-            <a:endParaRPr lang="zh-CN" altLang="en-US" sz="100"/>
-          </a:p>
-        </p:txBody>
-      </p:sp>
-      <p:sp>
-        <p:nvSpPr>
-          <p:cNvPr id="364" name="文本框 363"/>
-          <p:cNvSpPr txBox="1"/>
-          <p:nvPr/>
-        </p:nvSpPr>
-        <p:spPr>
-          <a:xfrm>
-            <a:off x="3017757" y="743198"/>
-            <a:ext cx="2706174" cy="246221"/>
-          </a:xfrm>
-          <a:prstGeom prst="rect">
-            <a:avLst/>
-          </a:prstGeom>
-          <a:noFill/>
-        </p:spPr>
-        <p:txBody>
-          <a:bodyPr wrap="square" lIns="0" tIns="0" rIns="0" bIns="0" rtlCol="0">
-            <a:spAutoFit/>
-          </a:bodyPr>
-          <a:lstStyle/>
-          <a:p>
-            <a:r>
-              <a:rPr lang="en-US" altLang="zh-CN" sz="1600" dirty="0"/>
-              <a:t>(A) Segment metadata</a:t>
-            </a:r>
-          </a:p>
-        </p:txBody>
-      </p:sp>
       <p:grpSp>
         <p:nvGrpSpPr>
           <p:cNvPr id="97" name="组合 96">
@@ -9448,386 +8864,55 @@
           </p:style>
         </p:cxnSp>
       </p:grpSp>
-      <p:sp>
-        <p:nvSpPr>
-          <p:cNvPr id="423" name="文本框 422"/>
-          <p:cNvSpPr txBox="1"/>
-          <p:nvPr/>
-        </p:nvSpPr>
-        <p:spPr>
-          <a:xfrm>
-            <a:off x="4133499" y="2016026"/>
-            <a:ext cx="179536" cy="215444"/>
-          </a:xfrm>
-          <a:prstGeom prst="rect">
-            <a:avLst/>
-          </a:prstGeom>
-          <a:noFill/>
-        </p:spPr>
-        <p:txBody>
-          <a:bodyPr wrap="none" lIns="0" tIns="0" rIns="0" bIns="0" rtlCol="0" anchor="t">
-            <a:spAutoFit/>
-          </a:bodyPr>
-          <a:lstStyle/>
-          <a:p>
-            <a:r>
-              <a:rPr lang="zh-CN" altLang="en-US" sz="1400" dirty="0">
-                <a:latin typeface="微软雅黑" panose="020B0503020204020204" charset="-122"/>
-                <a:ea typeface="微软雅黑" panose="020B0503020204020204" charset="-122"/>
-              </a:rPr>
-              <a:t>➋</a:t>
-            </a:r>
-          </a:p>
-        </p:txBody>
-      </p:sp>
-      <p:sp>
-        <p:nvSpPr>
-          <p:cNvPr id="425" name="矩形 424"/>
-          <p:cNvSpPr/>
-          <p:nvPr/>
-        </p:nvSpPr>
-        <p:spPr>
-          <a:xfrm>
-            <a:off x="5121651" y="1237375"/>
-            <a:ext cx="855345" cy="175260"/>
-          </a:xfrm>
-          <a:prstGeom prst="rect">
-            <a:avLst/>
-          </a:prstGeom>
-          <a:solidFill>
-            <a:schemeClr val="bg1">
-              <a:lumMod val="75000"/>
-            </a:schemeClr>
-          </a:solidFill>
-          <a:ln>
-            <a:solidFill>
-              <a:schemeClr val="bg1">
-                <a:lumMod val="50000"/>
-              </a:schemeClr>
-            </a:solidFill>
-          </a:ln>
-        </p:spPr>
-        <p:style>
-          <a:lnRef idx="2">
-            <a:schemeClr val="accent1">
-              <a:shade val="50000"/>
-            </a:schemeClr>
-          </a:lnRef>
-          <a:fillRef idx="1">
-            <a:schemeClr val="accent1"/>
-          </a:fillRef>
-          <a:effectRef idx="0">
-            <a:schemeClr val="accent1"/>
-          </a:effectRef>
-          <a:fontRef idx="minor">
-            <a:schemeClr val="lt1"/>
-          </a:fontRef>
-        </p:style>
-        <p:txBody>
-          <a:bodyPr rtlCol="0" anchor="ctr"/>
-          <a:lstStyle/>
-          <a:p>
-            <a:pPr algn="ctr"/>
-            <a:r>
-              <a:rPr lang="en-US" altLang="zh-CN" sz="1200" dirty="0">
-                <a:solidFill>
-                  <a:schemeClr val="tx1"/>
-                </a:solidFill>
-              </a:rPr>
-              <a:t>size</a:t>
-            </a:r>
-          </a:p>
-        </p:txBody>
-      </p:sp>
-      <p:sp>
-        <p:nvSpPr>
-          <p:cNvPr id="365" name="文本框 364"/>
-          <p:cNvSpPr txBox="1"/>
-          <p:nvPr/>
-        </p:nvSpPr>
-        <p:spPr>
-          <a:xfrm>
-            <a:off x="4169786" y="1392950"/>
-            <a:ext cx="925195" cy="184666"/>
-          </a:xfrm>
-          <a:prstGeom prst="rect">
-            <a:avLst/>
-          </a:prstGeom>
-          <a:noFill/>
-        </p:spPr>
-        <p:txBody>
-          <a:bodyPr wrap="square" lIns="0" tIns="0" rIns="0" bIns="0" rtlCol="0">
-            <a:spAutoFit/>
-          </a:bodyPr>
-          <a:lstStyle/>
-          <a:p>
-            <a:pPr algn="ctr"/>
-            <a:r>
-              <a:rPr lang="en-US" altLang="zh-CN" sz="1200" dirty="0"/>
-              <a:t>REW-vector</a:t>
-            </a:r>
-          </a:p>
-        </p:txBody>
-      </p:sp>
       <p:grpSp>
         <p:nvGrpSpPr>
-          <p:cNvPr id="7" name="组合 6"/>
+          <p:cNvPr id="4" name="组合 3">
+            <a:extLst>
+              <a:ext uri="{FF2B5EF4-FFF2-40B4-BE49-F238E27FC236}">
+                <a16:creationId xmlns:a16="http://schemas.microsoft.com/office/drawing/2014/main" id="{969EE44D-812B-6BC5-2253-A82DD817FFFF}"/>
+              </a:ext>
+            </a:extLst>
+          </p:cNvPr>
           <p:cNvGrpSpPr/>
           <p:nvPr/>
         </p:nvGrpSpPr>
         <p:grpSpPr>
           <a:xfrm>
-            <a:off x="3028056" y="1124980"/>
-            <a:ext cx="934720" cy="427990"/>
-            <a:chOff x="979" y="1020"/>
-            <a:chExt cx="1472" cy="674"/>
+            <a:off x="2899151" y="2366087"/>
+            <a:ext cx="3349625" cy="972820"/>
+            <a:chOff x="2899151" y="1811415"/>
+            <a:chExt cx="3349625" cy="972820"/>
           </a:xfrm>
         </p:grpSpPr>
         <p:sp>
           <p:nvSpPr>
-            <p:cNvPr id="388" name="矩形 387"/>
+            <p:cNvPr id="339" name="圆角矩形标注 338"/>
             <p:cNvSpPr/>
             <p:nvPr/>
           </p:nvSpPr>
           <p:spPr>
             <a:xfrm>
-              <a:off x="979" y="1020"/>
-              <a:ext cx="1473" cy="334"/>
-            </a:xfrm>
-            <a:prstGeom prst="rect">
-              <a:avLst/>
+              <a:off x="2899151" y="1811415"/>
+              <a:ext cx="3349625" cy="972820"/>
+            </a:xfrm>
+            <a:prstGeom prst="wedgeRoundRectCallout">
+              <a:avLst>
+                <a:gd name="adj1" fmla="val -14990"/>
+                <a:gd name="adj2" fmla="val -32881"/>
+                <a:gd name="adj3" fmla="val 16667"/>
+              </a:avLst>
             </a:prstGeom>
             <a:solidFill>
               <a:schemeClr val="bg1">
-                <a:lumMod val="75000"/>
+                <a:lumMod val="95000"/>
               </a:schemeClr>
             </a:solidFill>
-            <a:ln>
+            <a:ln w="25400">
               <a:solidFill>
                 <a:schemeClr val="bg1">
-                  <a:lumMod val="50000"/>
+                  <a:lumMod val="65000"/>
                 </a:schemeClr>
               </a:solidFill>
-            </a:ln>
-          </p:spPr>
-          <p:style>
-            <a:lnRef idx="2">
-              <a:schemeClr val="accent1">
-                <a:shade val="50000"/>
-              </a:schemeClr>
-            </a:lnRef>
-            <a:fillRef idx="1">
-              <a:schemeClr val="accent1"/>
-            </a:fillRef>
-            <a:effectRef idx="0">
-              <a:schemeClr val="accent1"/>
-            </a:effectRef>
-            <a:fontRef idx="minor">
-              <a:schemeClr val="lt1"/>
-            </a:fontRef>
-          </p:style>
-          <p:txBody>
-            <a:bodyPr rtlCol="0" anchor="ctr"/>
-            <a:lstStyle/>
-            <a:p>
-              <a:pPr algn="ctr"/>
-              <a:r>
-                <a:rPr lang="en-US" altLang="zh-CN" sz="1200">
-                  <a:solidFill>
-                    <a:schemeClr val="tx1"/>
-                  </a:solidFill>
-                </a:rPr>
-                <a:t>kv_size</a:t>
-              </a:r>
-            </a:p>
-          </p:txBody>
-        </p:sp>
-        <p:sp>
-          <p:nvSpPr>
-            <p:cNvPr id="389" name="矩形 388"/>
-            <p:cNvSpPr/>
-            <p:nvPr/>
-          </p:nvSpPr>
-          <p:spPr>
-            <a:xfrm>
-              <a:off x="979" y="1360"/>
-              <a:ext cx="1473" cy="334"/>
-            </a:xfrm>
-            <a:prstGeom prst="rect">
-              <a:avLst/>
-            </a:prstGeom>
-            <a:solidFill>
-              <a:schemeClr val="bg1">
-                <a:lumMod val="75000"/>
-              </a:schemeClr>
-            </a:solidFill>
-            <a:ln>
-              <a:solidFill>
-                <a:schemeClr val="bg1">
-                  <a:lumMod val="50000"/>
-                </a:schemeClr>
-              </a:solidFill>
-            </a:ln>
-          </p:spPr>
-          <p:style>
-            <a:lnRef idx="2">
-              <a:schemeClr val="accent1">
-                <a:shade val="50000"/>
-              </a:schemeClr>
-            </a:lnRef>
-            <a:fillRef idx="1">
-              <a:schemeClr val="accent1"/>
-            </a:fillRef>
-            <a:effectRef idx="0">
-              <a:schemeClr val="accent1"/>
-            </a:effectRef>
-            <a:fontRef idx="minor">
-              <a:schemeClr val="lt1"/>
-            </a:fontRef>
-          </p:style>
-          <p:txBody>
-            <a:bodyPr rtlCol="0" anchor="ctr"/>
-            <a:lstStyle/>
-            <a:p>
-              <a:pPr algn="ctr"/>
-              <a:r>
-                <a:rPr lang="en-US" altLang="zh-CN" sz="1200" dirty="0" err="1">
-                  <a:solidFill>
-                    <a:schemeClr val="tx1"/>
-                  </a:solidFill>
-                </a:rPr>
-                <a:t>is_stale</a:t>
-              </a:r>
-              <a:endParaRPr lang="en-US" altLang="zh-CN" sz="1200" dirty="0">
-                <a:solidFill>
-                  <a:schemeClr val="tx1"/>
-                </a:solidFill>
-              </a:endParaRPr>
-            </a:p>
-          </p:txBody>
-        </p:sp>
-      </p:grpSp>
-      <p:cxnSp>
-        <p:nvCxnSpPr>
-          <p:cNvPr id="409" name="直接连接符 408"/>
-          <p:cNvCxnSpPr>
-            <a:endCxn id="372" idx="0"/>
-          </p:cNvCxnSpPr>
-          <p:nvPr/>
-        </p:nvCxnSpPr>
-        <p:spPr>
-          <a:xfrm>
-            <a:off x="3963411" y="1124980"/>
-            <a:ext cx="328930" cy="112395"/>
-          </a:xfrm>
-          <a:prstGeom prst="line">
-            <a:avLst/>
-          </a:prstGeom>
-          <a:ln w="25400" cmpd="sng">
-            <a:solidFill>
-              <a:schemeClr val="bg1">
-                <a:lumMod val="50000"/>
-              </a:schemeClr>
-            </a:solidFill>
-            <a:prstDash val="sysDash"/>
-          </a:ln>
-        </p:spPr>
-        <p:style>
-          <a:lnRef idx="1">
-            <a:schemeClr val="accent1"/>
-          </a:lnRef>
-          <a:fillRef idx="0">
-            <a:schemeClr val="accent1"/>
-          </a:fillRef>
-          <a:effectRef idx="0">
-            <a:schemeClr val="accent1"/>
-          </a:effectRef>
-          <a:fontRef idx="minor">
-            <a:schemeClr val="tx1"/>
-          </a:fontRef>
-        </p:style>
-      </p:cxnSp>
-      <p:cxnSp>
-        <p:nvCxnSpPr>
-          <p:cNvPr id="410" name="直接连接符 409"/>
-          <p:cNvCxnSpPr>
-            <a:endCxn id="372" idx="2"/>
-          </p:cNvCxnSpPr>
-          <p:nvPr/>
-        </p:nvCxnSpPr>
-        <p:spPr>
-          <a:xfrm flipV="1">
-            <a:off x="3963411" y="1417715"/>
-            <a:ext cx="328930" cy="132080"/>
-          </a:xfrm>
-          <a:prstGeom prst="line">
-            <a:avLst/>
-          </a:prstGeom>
-          <a:ln w="25400" cmpd="sng">
-            <a:solidFill>
-              <a:schemeClr val="bg1">
-                <a:lumMod val="50000"/>
-              </a:schemeClr>
-            </a:solidFill>
-            <a:prstDash val="sysDash"/>
-          </a:ln>
-        </p:spPr>
-        <p:style>
-          <a:lnRef idx="1">
-            <a:schemeClr val="accent1"/>
-          </a:lnRef>
-          <a:fillRef idx="0">
-            <a:schemeClr val="accent1"/>
-          </a:fillRef>
-          <a:effectRef idx="0">
-            <a:schemeClr val="accent1"/>
-          </a:effectRef>
-          <a:fontRef idx="minor">
-            <a:schemeClr val="tx1"/>
-          </a:fontRef>
-        </p:style>
-      </p:cxnSp>
-      <p:grpSp>
-        <p:nvGrpSpPr>
-          <p:cNvPr id="14" name="组合 13"/>
-          <p:cNvGrpSpPr/>
-          <p:nvPr/>
-        </p:nvGrpSpPr>
-        <p:grpSpPr>
-          <a:xfrm>
-            <a:off x="4241541" y="1237375"/>
-            <a:ext cx="808990" cy="180340"/>
-            <a:chOff x="2614" y="839"/>
-            <a:chExt cx="1274" cy="284"/>
-          </a:xfrm>
-          <a:solidFill>
-            <a:schemeClr val="bg1">
-              <a:lumMod val="75000"/>
-            </a:schemeClr>
-          </a:solidFill>
-        </p:grpSpPr>
-        <p:sp>
-          <p:nvSpPr>
-            <p:cNvPr id="372" name="矩形 371"/>
-            <p:cNvSpPr/>
-            <p:nvPr/>
-          </p:nvSpPr>
-          <p:spPr>
-            <a:xfrm>
-              <a:off x="2614" y="839"/>
-              <a:ext cx="159" cy="284"/>
-            </a:xfrm>
-            <a:prstGeom prst="rect">
-              <a:avLst/>
-            </a:prstGeom>
-            <a:grpFill/>
-            <a:ln w="12700" cmpd="sng">
-              <a:solidFill>
-                <a:schemeClr val="bg1">
-                  <a:lumMod val="50000"/>
-                </a:schemeClr>
-              </a:solidFill>
-              <a:prstDash val="solid"/>
             </a:ln>
           </p:spPr>
           <p:style>
@@ -9857,26 +8942,528 @@
         </p:sp>
         <p:sp>
           <p:nvSpPr>
-            <p:cNvPr id="373" name="矩形 372"/>
-            <p:cNvSpPr/>
+            <p:cNvPr id="334" name="文本框 333"/>
+            <p:cNvSpPr txBox="1"/>
             <p:nvPr/>
           </p:nvSpPr>
           <p:spPr>
             <a:xfrm>
-              <a:off x="2773" y="839"/>
-              <a:ext cx="159" cy="284"/>
+              <a:off x="2926491" y="1845871"/>
+              <a:ext cx="1183083" cy="246221"/>
             </a:xfrm>
             <a:prstGeom prst="rect">
               <a:avLst/>
             </a:prstGeom>
-            <a:grpFill/>
-            <a:ln w="12700" cmpd="sng">
+            <a:noFill/>
+          </p:spPr>
+          <p:txBody>
+            <a:bodyPr wrap="square" lIns="0" tIns="0" rIns="0" bIns="0" rtlCol="0">
+              <a:spAutoFit/>
+            </a:bodyPr>
+            <a:lstStyle/>
+            <a:p>
+              <a:pPr algn="ctr"/>
+              <a:r>
+                <a:rPr lang="en-US" altLang="zh-CN" sz="1600" dirty="0"/>
+                <a:t>(B) Append</a:t>
+              </a:r>
+            </a:p>
+          </p:txBody>
+        </p:sp>
+        <p:cxnSp>
+          <p:nvCxnSpPr>
+            <p:cNvPr id="340" name="直接连接符 339"/>
+            <p:cNvCxnSpPr/>
+            <p:nvPr/>
+          </p:nvCxnSpPr>
+          <p:spPr>
+            <a:xfrm>
+              <a:off x="3000116" y="2447050"/>
+              <a:ext cx="1036320" cy="0"/>
+            </a:xfrm>
+            <a:prstGeom prst="line">
+              <a:avLst/>
+            </a:prstGeom>
+            <a:ln w="25400">
+              <a:solidFill>
+                <a:schemeClr val="bg1">
+                  <a:lumMod val="50000"/>
+                </a:schemeClr>
+              </a:solidFill>
+            </a:ln>
+          </p:spPr>
+          <p:style>
+            <a:lnRef idx="1">
+              <a:schemeClr val="accent1"/>
+            </a:lnRef>
+            <a:fillRef idx="0">
+              <a:schemeClr val="accent1"/>
+            </a:fillRef>
+            <a:effectRef idx="0">
+              <a:schemeClr val="accent1"/>
+            </a:effectRef>
+            <a:fontRef idx="minor">
+              <a:schemeClr val="tx1"/>
+            </a:fontRef>
+          </p:style>
+        </p:cxnSp>
+        <p:cxnSp>
+          <p:nvCxnSpPr>
+            <p:cNvPr id="351" name="直接连接符 350"/>
+            <p:cNvCxnSpPr/>
+            <p:nvPr/>
+          </p:nvCxnSpPr>
+          <p:spPr>
+            <a:xfrm>
+              <a:off x="4025006" y="2259090"/>
+              <a:ext cx="0" cy="213995"/>
+            </a:xfrm>
+            <a:prstGeom prst="line">
+              <a:avLst/>
+            </a:prstGeom>
+            <a:ln w="25400" cmpd="sng">
               <a:solidFill>
                 <a:schemeClr val="bg1">
                   <a:lumMod val="50000"/>
                 </a:schemeClr>
               </a:solidFill>
               <a:prstDash val="solid"/>
+            </a:ln>
+          </p:spPr>
+          <p:style>
+            <a:lnRef idx="1">
+              <a:schemeClr val="accent1"/>
+            </a:lnRef>
+            <a:fillRef idx="0">
+              <a:schemeClr val="accent1"/>
+            </a:fillRef>
+            <a:effectRef idx="0">
+              <a:schemeClr val="accent1"/>
+            </a:effectRef>
+            <a:fontRef idx="minor">
+              <a:schemeClr val="tx1"/>
+            </a:fontRef>
+          </p:style>
+        </p:cxnSp>
+        <p:cxnSp>
+          <p:nvCxnSpPr>
+            <p:cNvPr id="352" name="直接箭头连接符 351"/>
+            <p:cNvCxnSpPr/>
+            <p:nvPr/>
+          </p:nvCxnSpPr>
+          <p:spPr>
+            <a:xfrm>
+              <a:off x="4022466" y="2257185"/>
+              <a:ext cx="452755" cy="0"/>
+            </a:xfrm>
+            <a:prstGeom prst="straightConnector1">
+              <a:avLst/>
+            </a:prstGeom>
+            <a:ln w="25400" cmpd="sng">
+              <a:solidFill>
+                <a:schemeClr val="bg1">
+                  <a:lumMod val="50000"/>
+                </a:schemeClr>
+              </a:solidFill>
+              <a:prstDash val="solid"/>
+              <a:tailEnd type="arrow"/>
+            </a:ln>
+          </p:spPr>
+          <p:style>
+            <a:lnRef idx="1">
+              <a:schemeClr val="accent1"/>
+            </a:lnRef>
+            <a:fillRef idx="0">
+              <a:schemeClr val="accent1"/>
+            </a:fillRef>
+            <a:effectRef idx="0">
+              <a:schemeClr val="accent1"/>
+            </a:effectRef>
+            <a:fontRef idx="minor">
+              <a:schemeClr val="tx1"/>
+            </a:fontRef>
+          </p:style>
+        </p:cxnSp>
+        <p:sp>
+          <p:nvSpPr>
+            <p:cNvPr id="349" name="文本框 348"/>
+            <p:cNvSpPr txBox="1"/>
+            <p:nvPr/>
+          </p:nvSpPr>
+          <p:spPr>
+            <a:xfrm>
+              <a:off x="4036436" y="2451790"/>
+              <a:ext cx="373662" cy="184666"/>
+            </a:xfrm>
+            <a:prstGeom prst="rect">
+              <a:avLst/>
+            </a:prstGeom>
+            <a:noFill/>
+          </p:spPr>
+          <p:txBody>
+            <a:bodyPr wrap="square" lIns="0" tIns="0" rIns="0" bIns="0" rtlCol="0">
+              <a:spAutoFit/>
+            </a:bodyPr>
+            <a:lstStyle/>
+            <a:p>
+              <a:r>
+                <a:rPr lang="en-US" altLang="zh-CN" sz="1200" dirty="0"/>
+                <a:t>No</a:t>
+              </a:r>
+            </a:p>
+          </p:txBody>
+        </p:sp>
+        <p:cxnSp>
+          <p:nvCxnSpPr>
+            <p:cNvPr id="341" name="直接连接符 340"/>
+            <p:cNvCxnSpPr/>
+            <p:nvPr/>
+          </p:nvCxnSpPr>
+          <p:spPr>
+            <a:xfrm>
+              <a:off x="4025006" y="2445780"/>
+              <a:ext cx="0" cy="187960"/>
+            </a:xfrm>
+            <a:prstGeom prst="line">
+              <a:avLst/>
+            </a:prstGeom>
+            <a:ln w="25400" cmpd="sng">
+              <a:solidFill>
+                <a:schemeClr val="bg1">
+                  <a:lumMod val="50000"/>
+                </a:schemeClr>
+              </a:solidFill>
+              <a:prstDash val="dash"/>
+              <a:tailEnd type="none"/>
+            </a:ln>
+          </p:spPr>
+          <p:style>
+            <a:lnRef idx="1">
+              <a:schemeClr val="accent1"/>
+            </a:lnRef>
+            <a:fillRef idx="0">
+              <a:schemeClr val="accent1"/>
+            </a:fillRef>
+            <a:effectRef idx="0">
+              <a:schemeClr val="accent1"/>
+            </a:effectRef>
+            <a:fontRef idx="minor">
+              <a:schemeClr val="tx1"/>
+            </a:fontRef>
+          </p:style>
+        </p:cxnSp>
+        <p:sp>
+          <p:nvSpPr>
+            <p:cNvPr id="347" name="文本框 346"/>
+            <p:cNvSpPr txBox="1"/>
+            <p:nvPr/>
+          </p:nvSpPr>
+          <p:spPr>
+            <a:xfrm>
+              <a:off x="3089651" y="2205115"/>
+              <a:ext cx="906780" cy="388620"/>
+            </a:xfrm>
+            <a:prstGeom prst="rect">
+              <a:avLst/>
+            </a:prstGeom>
+            <a:noFill/>
+          </p:spPr>
+          <p:txBody>
+            <a:bodyPr wrap="square" rtlCol="0">
+              <a:noAutofit/>
+            </a:bodyPr>
+            <a:lstStyle/>
+            <a:p>
+              <a:pPr algn="ctr"/>
+              <a:r>
+                <a:rPr lang="en-US" altLang="zh-CN" sz="1200" dirty="0"/>
+                <a:t>Reach</a:t>
+              </a:r>
+              <a:br>
+                <a:rPr lang="en-US" altLang="zh-CN" sz="1200" dirty="0"/>
+              </a:br>
+              <a:r>
+                <a:rPr lang="en-US" altLang="zh-CN" sz="1200" dirty="0"/>
+                <a:t>threshold?</a:t>
+              </a:r>
+            </a:p>
+          </p:txBody>
+        </p:sp>
+        <p:sp>
+          <p:nvSpPr>
+            <p:cNvPr id="350" name="文本框 349"/>
+            <p:cNvSpPr txBox="1"/>
+            <p:nvPr/>
+          </p:nvSpPr>
+          <p:spPr>
+            <a:xfrm>
+              <a:off x="4036436" y="2239524"/>
+              <a:ext cx="391908" cy="184666"/>
+            </a:xfrm>
+            <a:prstGeom prst="rect">
+              <a:avLst/>
+            </a:prstGeom>
+            <a:noFill/>
+          </p:spPr>
+          <p:txBody>
+            <a:bodyPr wrap="square" lIns="0" tIns="0" rIns="0" bIns="0" rtlCol="0">
+              <a:spAutoFit/>
+            </a:bodyPr>
+            <a:lstStyle/>
+            <a:p>
+              <a:r>
+                <a:rPr lang="en-US" altLang="zh-CN" sz="1200" dirty="0"/>
+                <a:t>Yes</a:t>
+              </a:r>
+            </a:p>
+          </p:txBody>
+        </p:sp>
+        <p:cxnSp>
+          <p:nvCxnSpPr>
+            <p:cNvPr id="353" name="直接箭头连接符 352"/>
+            <p:cNvCxnSpPr/>
+            <p:nvPr/>
+          </p:nvCxnSpPr>
+          <p:spPr>
+            <a:xfrm>
+              <a:off x="4025006" y="2633740"/>
+              <a:ext cx="1638935" cy="0"/>
+            </a:xfrm>
+            <a:prstGeom prst="straightConnector1">
+              <a:avLst/>
+            </a:prstGeom>
+            <a:ln w="25400" cmpd="sng">
+              <a:solidFill>
+                <a:schemeClr val="bg1">
+                  <a:lumMod val="50000"/>
+                </a:schemeClr>
+              </a:solidFill>
+              <a:prstDash val="dash"/>
+              <a:tailEnd type="arrow"/>
+            </a:ln>
+          </p:spPr>
+          <p:style>
+            <a:lnRef idx="1">
+              <a:schemeClr val="accent1"/>
+            </a:lnRef>
+            <a:fillRef idx="0">
+              <a:schemeClr val="accent1"/>
+            </a:fillRef>
+            <a:effectRef idx="0">
+              <a:schemeClr val="accent1"/>
+            </a:effectRef>
+            <a:fontRef idx="minor">
+              <a:schemeClr val="tx1"/>
+            </a:fontRef>
+          </p:style>
+        </p:cxnSp>
+        <p:sp>
+          <p:nvSpPr>
+            <p:cNvPr id="354" name="文本框 353"/>
+            <p:cNvSpPr txBox="1"/>
+            <p:nvPr/>
+          </p:nvSpPr>
+          <p:spPr>
+            <a:xfrm>
+              <a:off x="4473203" y="2162947"/>
+              <a:ext cx="864771" cy="184666"/>
+            </a:xfrm>
+            <a:prstGeom prst="rect">
+              <a:avLst/>
+            </a:prstGeom>
+            <a:noFill/>
+          </p:spPr>
+          <p:txBody>
+            <a:bodyPr wrap="square" lIns="0" tIns="0" rIns="0" bIns="0" rtlCol="0">
+              <a:spAutoFit/>
+            </a:bodyPr>
+            <a:lstStyle/>
+            <a:p>
+              <a:pPr algn="ctr"/>
+              <a:r>
+                <a:rPr lang="en-US" altLang="zh-CN" sz="1200" dirty="0"/>
+                <a:t>Seg switch</a:t>
+              </a:r>
+            </a:p>
+          </p:txBody>
+        </p:sp>
+        <p:cxnSp>
+          <p:nvCxnSpPr>
+            <p:cNvPr id="355" name="直接箭头连接符 354"/>
+            <p:cNvCxnSpPr/>
+            <p:nvPr/>
+          </p:nvCxnSpPr>
+          <p:spPr>
+            <a:xfrm>
+              <a:off x="5342631" y="2271232"/>
+              <a:ext cx="321310" cy="0"/>
+            </a:xfrm>
+            <a:prstGeom prst="straightConnector1">
+              <a:avLst/>
+            </a:prstGeom>
+            <a:ln w="25400" cmpd="sng">
+              <a:solidFill>
+                <a:schemeClr val="bg1">
+                  <a:lumMod val="50000"/>
+                </a:schemeClr>
+              </a:solidFill>
+              <a:prstDash val="solid"/>
+              <a:tailEnd type="arrow"/>
+            </a:ln>
+          </p:spPr>
+          <p:style>
+            <a:lnRef idx="1">
+              <a:schemeClr val="accent1"/>
+            </a:lnRef>
+            <a:fillRef idx="0">
+              <a:schemeClr val="accent1"/>
+            </a:fillRef>
+            <a:effectRef idx="0">
+              <a:schemeClr val="accent1"/>
+            </a:effectRef>
+            <a:fontRef idx="minor">
+              <a:schemeClr val="tx1"/>
+            </a:fontRef>
+          </p:style>
+        </p:cxnSp>
+        <p:sp>
+          <p:nvSpPr>
+            <p:cNvPr id="356" name="文本框 355"/>
+            <p:cNvSpPr txBox="1"/>
+            <p:nvPr/>
+          </p:nvSpPr>
+          <p:spPr>
+            <a:xfrm>
+              <a:off x="5584417" y="2536069"/>
+              <a:ext cx="661671" cy="184666"/>
+            </a:xfrm>
+            <a:prstGeom prst="rect">
+              <a:avLst/>
+            </a:prstGeom>
+            <a:noFill/>
+          </p:spPr>
+          <p:txBody>
+            <a:bodyPr wrap="square" lIns="0" tIns="0" rIns="0" bIns="0" rtlCol="0">
+              <a:spAutoFit/>
+            </a:bodyPr>
+            <a:lstStyle/>
+            <a:p>
+              <a:pPr algn="ctr"/>
+              <a:r>
+                <a:rPr lang="en-US" altLang="zh-CN" sz="1200" dirty="0"/>
+                <a:t>append</a:t>
+              </a:r>
+            </a:p>
+          </p:txBody>
+        </p:sp>
+        <p:sp>
+          <p:nvSpPr>
+            <p:cNvPr id="359" name="文本框 358"/>
+            <p:cNvSpPr txBox="1"/>
+            <p:nvPr/>
+          </p:nvSpPr>
+          <p:spPr>
+            <a:xfrm>
+              <a:off x="5595848" y="2170309"/>
+              <a:ext cx="617452" cy="184666"/>
+            </a:xfrm>
+            <a:prstGeom prst="rect">
+              <a:avLst/>
+            </a:prstGeom>
+            <a:noFill/>
+          </p:spPr>
+          <p:txBody>
+            <a:bodyPr wrap="square" lIns="0" tIns="0" rIns="0" bIns="0" rtlCol="0">
+              <a:spAutoFit/>
+            </a:bodyPr>
+            <a:lstStyle/>
+            <a:p>
+              <a:pPr algn="ctr"/>
+              <a:r>
+                <a:rPr lang="en-US" altLang="zh-CN" sz="1200" dirty="0"/>
+                <a:t>append</a:t>
+              </a:r>
+            </a:p>
+          </p:txBody>
+        </p:sp>
+        <p:sp>
+          <p:nvSpPr>
+            <p:cNvPr id="423" name="文本框 422"/>
+            <p:cNvSpPr txBox="1"/>
+            <p:nvPr/>
+          </p:nvSpPr>
+          <p:spPr>
+            <a:xfrm>
+              <a:off x="4077321" y="1974987"/>
+              <a:ext cx="205184" cy="246221"/>
+            </a:xfrm>
+            <a:prstGeom prst="rect">
+              <a:avLst/>
+            </a:prstGeom>
+            <a:noFill/>
+          </p:spPr>
+          <p:txBody>
+            <a:bodyPr wrap="none" lIns="0" tIns="0" rIns="0" bIns="0" rtlCol="0" anchor="t">
+              <a:spAutoFit/>
+            </a:bodyPr>
+            <a:lstStyle/>
+            <a:p>
+              <a:r>
+                <a:rPr lang="zh-CN" altLang="en-US" sz="1600" dirty="0">
+                  <a:latin typeface="微软雅黑" panose="020B0503020204020204" charset="-122"/>
+                  <a:ea typeface="微软雅黑" panose="020B0503020204020204" charset="-122"/>
+                </a:rPr>
+                <a:t>➋</a:t>
+              </a:r>
+            </a:p>
+          </p:txBody>
+        </p:sp>
+      </p:grpSp>
+      <p:grpSp>
+        <p:nvGrpSpPr>
+          <p:cNvPr id="5" name="组合 4">
+            <a:extLst>
+              <a:ext uri="{FF2B5EF4-FFF2-40B4-BE49-F238E27FC236}">
+                <a16:creationId xmlns:a16="http://schemas.microsoft.com/office/drawing/2014/main" id="{2BF3BB36-91ED-7FF7-342F-EFFE1DA4A08A}"/>
+              </a:ext>
+            </a:extLst>
+          </p:cNvPr>
+          <p:cNvGrpSpPr/>
+          <p:nvPr/>
+        </p:nvGrpSpPr>
+        <p:grpSpPr>
+          <a:xfrm>
+            <a:off x="2892934" y="1122246"/>
+            <a:ext cx="3353671" cy="945662"/>
+            <a:chOff x="2899151" y="743198"/>
+            <a:chExt cx="3353671" cy="945662"/>
+          </a:xfrm>
+        </p:grpSpPr>
+        <p:sp>
+          <p:nvSpPr>
+            <p:cNvPr id="360" name="圆角矩形 359"/>
+            <p:cNvSpPr/>
+            <p:nvPr/>
+          </p:nvSpPr>
+          <p:spPr>
+            <a:xfrm>
+              <a:off x="2899151" y="747790"/>
+              <a:ext cx="3353671" cy="941070"/>
+            </a:xfrm>
+            <a:prstGeom prst="roundRect">
+              <a:avLst/>
+            </a:prstGeom>
+            <a:solidFill>
+              <a:schemeClr val="bg1">
+                <a:lumMod val="95000"/>
+              </a:schemeClr>
+            </a:solidFill>
+            <a:ln w="25400">
+              <a:solidFill>
+                <a:schemeClr val="bg1">
+                  <a:lumMod val="65000"/>
+                </a:schemeClr>
+              </a:solidFill>
             </a:ln>
           </p:spPr>
           <p:style>
@@ -9906,26 +9493,58 @@
         </p:sp>
         <p:sp>
           <p:nvSpPr>
-            <p:cNvPr id="374" name="矩形 373"/>
-            <p:cNvSpPr/>
+            <p:cNvPr id="364" name="文本框 363"/>
+            <p:cNvSpPr txBox="1"/>
             <p:nvPr/>
           </p:nvSpPr>
           <p:spPr>
             <a:xfrm>
-              <a:off x="2933" y="839"/>
-              <a:ext cx="159" cy="284"/>
+              <a:off x="3017757" y="743198"/>
+              <a:ext cx="2706174" cy="246221"/>
             </a:xfrm>
             <a:prstGeom prst="rect">
               <a:avLst/>
             </a:prstGeom>
-            <a:grpFill/>
-            <a:ln w="12700" cmpd="sng">
+            <a:noFill/>
+          </p:spPr>
+          <p:txBody>
+            <a:bodyPr wrap="square" lIns="0" tIns="0" rIns="0" bIns="0" rtlCol="0">
+              <a:spAutoFit/>
+            </a:bodyPr>
+            <a:lstStyle/>
+            <a:p>
+              <a:r>
+                <a:rPr lang="en-US" altLang="zh-CN" sz="1600" dirty="0"/>
+                <a:t>(A) Segment metadata</a:t>
+              </a:r>
+            </a:p>
+          </p:txBody>
+        </p:sp>
+        <p:sp>
+          <p:nvSpPr>
+            <p:cNvPr id="425" name="矩形 424"/>
+            <p:cNvSpPr/>
+            <p:nvPr/>
+          </p:nvSpPr>
+          <p:spPr>
+            <a:xfrm>
+              <a:off x="5121651" y="1237375"/>
+              <a:ext cx="855345" cy="175260"/>
+            </a:xfrm>
+            <a:prstGeom prst="rect">
+              <a:avLst/>
+            </a:prstGeom>
+            <a:solidFill>
+              <a:schemeClr val="bg1">
+                <a:lumMod val="75000"/>
+              </a:schemeClr>
+            </a:solidFill>
+            <a:ln>
               <a:solidFill>
                 <a:schemeClr val="bg1">
                   <a:lumMod val="50000"/>
                 </a:schemeClr>
               </a:solidFill>
-              <a:prstDash val="solid"/>
             </a:ln>
           </p:spPr>
           <p:style>
@@ -9949,255 +9568,682 @@
             <a:lstStyle/>
             <a:p>
               <a:pPr algn="ctr"/>
-              <a:endParaRPr lang="zh-CN" altLang="en-US" sz="100"/>
+              <a:r>
+                <a:rPr lang="en-US" altLang="zh-CN" sz="1200" dirty="0">
+                  <a:solidFill>
+                    <a:schemeClr val="tx1"/>
+                  </a:solidFill>
+                </a:rPr>
+                <a:t>size</a:t>
+              </a:r>
             </a:p>
           </p:txBody>
         </p:sp>
         <p:sp>
           <p:nvSpPr>
-            <p:cNvPr id="375" name="矩形 374"/>
-            <p:cNvSpPr/>
+            <p:cNvPr id="365" name="文本框 364"/>
+            <p:cNvSpPr txBox="1"/>
             <p:nvPr/>
           </p:nvSpPr>
           <p:spPr>
             <a:xfrm>
-              <a:off x="3092" y="839"/>
-              <a:ext cx="159" cy="284"/>
+              <a:off x="4169786" y="1392950"/>
+              <a:ext cx="925195" cy="184666"/>
             </a:xfrm>
             <a:prstGeom prst="rect">
               <a:avLst/>
             </a:prstGeom>
-            <a:grpFill/>
-            <a:ln w="12700" cmpd="sng">
+            <a:noFill/>
+          </p:spPr>
+          <p:txBody>
+            <a:bodyPr wrap="square" lIns="0" tIns="0" rIns="0" bIns="0" rtlCol="0">
+              <a:spAutoFit/>
+            </a:bodyPr>
+            <a:lstStyle/>
+            <a:p>
+              <a:pPr algn="ctr"/>
+              <a:r>
+                <a:rPr lang="en-US" altLang="zh-CN" sz="1200" dirty="0"/>
+                <a:t>REW-vector</a:t>
+              </a:r>
+            </a:p>
+          </p:txBody>
+        </p:sp>
+        <p:grpSp>
+          <p:nvGrpSpPr>
+            <p:cNvPr id="7" name="组合 6"/>
+            <p:cNvGrpSpPr/>
+            <p:nvPr/>
+          </p:nvGrpSpPr>
+          <p:grpSpPr>
+            <a:xfrm>
+              <a:off x="3028056" y="1124980"/>
+              <a:ext cx="934720" cy="427990"/>
+              <a:chOff x="979" y="1020"/>
+              <a:chExt cx="1472" cy="674"/>
+            </a:xfrm>
+          </p:grpSpPr>
+          <p:sp>
+            <p:nvSpPr>
+              <p:cNvPr id="388" name="矩形 387"/>
+              <p:cNvSpPr/>
+              <p:nvPr/>
+            </p:nvSpPr>
+            <p:spPr>
+              <a:xfrm>
+                <a:off x="979" y="1020"/>
+                <a:ext cx="1473" cy="334"/>
+              </a:xfrm>
+              <a:prstGeom prst="rect">
+                <a:avLst/>
+              </a:prstGeom>
+              <a:solidFill>
+                <a:schemeClr val="bg1">
+                  <a:lumMod val="75000"/>
+                </a:schemeClr>
+              </a:solidFill>
+              <a:ln>
+                <a:solidFill>
+                  <a:schemeClr val="bg1">
+                    <a:lumMod val="50000"/>
+                  </a:schemeClr>
+                </a:solidFill>
+              </a:ln>
+            </p:spPr>
+            <p:style>
+              <a:lnRef idx="2">
+                <a:schemeClr val="accent1">
+                  <a:shade val="50000"/>
+                </a:schemeClr>
+              </a:lnRef>
+              <a:fillRef idx="1">
+                <a:schemeClr val="accent1"/>
+              </a:fillRef>
+              <a:effectRef idx="0">
+                <a:schemeClr val="accent1"/>
+              </a:effectRef>
+              <a:fontRef idx="minor">
+                <a:schemeClr val="lt1"/>
+              </a:fontRef>
+            </p:style>
+            <p:txBody>
+              <a:bodyPr rtlCol="0" anchor="ctr"/>
+              <a:lstStyle/>
+              <a:p>
+                <a:pPr algn="ctr"/>
+                <a:r>
+                  <a:rPr lang="en-US" altLang="zh-CN" sz="1200" dirty="0" err="1">
+                    <a:solidFill>
+                      <a:schemeClr val="tx1"/>
+                    </a:solidFill>
+                  </a:rPr>
+                  <a:t>kv_size</a:t>
+                </a:r>
+                <a:endParaRPr lang="en-US" altLang="zh-CN" sz="1200" dirty="0">
+                  <a:solidFill>
+                    <a:schemeClr val="tx1"/>
+                  </a:solidFill>
+                </a:endParaRPr>
+              </a:p>
+            </p:txBody>
+          </p:sp>
+          <p:sp>
+            <p:nvSpPr>
+              <p:cNvPr id="389" name="矩形 388"/>
+              <p:cNvSpPr/>
+              <p:nvPr/>
+            </p:nvSpPr>
+            <p:spPr>
+              <a:xfrm>
+                <a:off x="979" y="1360"/>
+                <a:ext cx="1473" cy="334"/>
+              </a:xfrm>
+              <a:prstGeom prst="rect">
+                <a:avLst/>
+              </a:prstGeom>
+              <a:solidFill>
+                <a:schemeClr val="bg1">
+                  <a:lumMod val="75000"/>
+                </a:schemeClr>
+              </a:solidFill>
+              <a:ln>
+                <a:solidFill>
+                  <a:schemeClr val="bg1">
+                    <a:lumMod val="50000"/>
+                  </a:schemeClr>
+                </a:solidFill>
+              </a:ln>
+            </p:spPr>
+            <p:style>
+              <a:lnRef idx="2">
+                <a:schemeClr val="accent1">
+                  <a:shade val="50000"/>
+                </a:schemeClr>
+              </a:lnRef>
+              <a:fillRef idx="1">
+                <a:schemeClr val="accent1"/>
+              </a:fillRef>
+              <a:effectRef idx="0">
+                <a:schemeClr val="accent1"/>
+              </a:effectRef>
+              <a:fontRef idx="minor">
+                <a:schemeClr val="lt1"/>
+              </a:fontRef>
+            </p:style>
+            <p:txBody>
+              <a:bodyPr rtlCol="0" anchor="ctr"/>
+              <a:lstStyle/>
+              <a:p>
+                <a:pPr algn="ctr"/>
+                <a:r>
+                  <a:rPr lang="en-US" altLang="zh-CN" sz="1200" dirty="0" err="1">
+                    <a:solidFill>
+                      <a:schemeClr val="tx1"/>
+                    </a:solidFill>
+                  </a:rPr>
+                  <a:t>is_stale</a:t>
+                </a:r>
+                <a:endParaRPr lang="en-US" altLang="zh-CN" sz="1200" dirty="0">
+                  <a:solidFill>
+                    <a:schemeClr val="tx1"/>
+                  </a:solidFill>
+                </a:endParaRPr>
+              </a:p>
+            </p:txBody>
+          </p:sp>
+        </p:grpSp>
+        <p:cxnSp>
+          <p:nvCxnSpPr>
+            <p:cNvPr id="409" name="直接连接符 408"/>
+            <p:cNvCxnSpPr>
+              <a:endCxn id="372" idx="0"/>
+            </p:cNvCxnSpPr>
+            <p:nvPr/>
+          </p:nvCxnSpPr>
+          <p:spPr>
+            <a:xfrm>
+              <a:off x="3963411" y="1124980"/>
+              <a:ext cx="328930" cy="112395"/>
+            </a:xfrm>
+            <a:prstGeom prst="line">
+              <a:avLst/>
+            </a:prstGeom>
+            <a:ln w="25400" cmpd="sng">
               <a:solidFill>
                 <a:schemeClr val="bg1">
                   <a:lumMod val="50000"/>
                 </a:schemeClr>
               </a:solidFill>
-              <a:prstDash val="solid"/>
+              <a:prstDash val="sysDash"/>
             </a:ln>
           </p:spPr>
           <p:style>
-            <a:lnRef idx="2">
-              <a:schemeClr val="accent1">
-                <a:shade val="50000"/>
-              </a:schemeClr>
+            <a:lnRef idx="1">
+              <a:schemeClr val="accent1"/>
             </a:lnRef>
-            <a:fillRef idx="1">
+            <a:fillRef idx="0">
               <a:schemeClr val="accent1"/>
             </a:fillRef>
             <a:effectRef idx="0">
               <a:schemeClr val="accent1"/>
             </a:effectRef>
             <a:fontRef idx="minor">
-              <a:schemeClr val="lt1"/>
+              <a:schemeClr val="tx1"/>
             </a:fontRef>
           </p:style>
-          <p:txBody>
-            <a:bodyPr rtlCol="0" anchor="ctr"/>
-            <a:lstStyle/>
-            <a:p>
-              <a:pPr algn="ctr"/>
-              <a:endParaRPr lang="zh-CN" altLang="en-US" sz="100"/>
-            </a:p>
-          </p:txBody>
-        </p:sp>
-        <p:sp>
-          <p:nvSpPr>
-            <p:cNvPr id="376" name="矩形 375"/>
-            <p:cNvSpPr/>
-            <p:nvPr/>
-          </p:nvSpPr>
-          <p:spPr>
-            <a:xfrm>
-              <a:off x="3252" y="839"/>
-              <a:ext cx="159" cy="284"/>
-            </a:xfrm>
-            <a:prstGeom prst="rect">
+        </p:cxnSp>
+        <p:cxnSp>
+          <p:nvCxnSpPr>
+            <p:cNvPr id="410" name="直接连接符 409"/>
+            <p:cNvCxnSpPr>
+              <a:endCxn id="372" idx="2"/>
+            </p:cNvCxnSpPr>
+            <p:nvPr/>
+          </p:nvCxnSpPr>
+          <p:spPr>
+            <a:xfrm flipV="1">
+              <a:off x="3963411" y="1417715"/>
+              <a:ext cx="328930" cy="132080"/>
+            </a:xfrm>
+            <a:prstGeom prst="line">
               <a:avLst/>
             </a:prstGeom>
-            <a:grpFill/>
-            <a:ln w="12700" cmpd="sng">
+            <a:ln w="25400" cmpd="sng">
               <a:solidFill>
                 <a:schemeClr val="bg1">
                   <a:lumMod val="50000"/>
                 </a:schemeClr>
               </a:solidFill>
-              <a:prstDash val="solid"/>
+              <a:prstDash val="sysDash"/>
             </a:ln>
           </p:spPr>
           <p:style>
-            <a:lnRef idx="2">
-              <a:schemeClr val="accent1">
-                <a:shade val="50000"/>
-              </a:schemeClr>
+            <a:lnRef idx="1">
+              <a:schemeClr val="accent1"/>
             </a:lnRef>
-            <a:fillRef idx="1">
+            <a:fillRef idx="0">
               <a:schemeClr val="accent1"/>
             </a:fillRef>
             <a:effectRef idx="0">
               <a:schemeClr val="accent1"/>
             </a:effectRef>
             <a:fontRef idx="minor">
-              <a:schemeClr val="lt1"/>
+              <a:schemeClr val="tx1"/>
             </a:fontRef>
           </p:style>
-          <p:txBody>
-            <a:bodyPr rtlCol="0" anchor="ctr"/>
-            <a:lstStyle/>
-            <a:p>
-              <a:pPr algn="ctr"/>
-              <a:endParaRPr lang="zh-CN" altLang="en-US" sz="100"/>
-            </a:p>
-          </p:txBody>
-        </p:sp>
-        <p:sp>
-          <p:nvSpPr>
-            <p:cNvPr id="11" name="矩形 10"/>
-            <p:cNvSpPr/>
-            <p:nvPr/>
-          </p:nvSpPr>
-          <p:spPr>
-            <a:xfrm>
-              <a:off x="3411" y="839"/>
-              <a:ext cx="159" cy="284"/>
-            </a:xfrm>
-            <a:prstGeom prst="rect">
-              <a:avLst/>
-            </a:prstGeom>
-            <a:grpFill/>
-            <a:ln w="12700" cmpd="sng">
-              <a:solidFill>
-                <a:schemeClr val="bg1">
-                  <a:lumMod val="50000"/>
+        </p:cxnSp>
+        <p:grpSp>
+          <p:nvGrpSpPr>
+            <p:cNvPr id="14" name="组合 13"/>
+            <p:cNvGrpSpPr/>
+            <p:nvPr/>
+          </p:nvGrpSpPr>
+          <p:grpSpPr>
+            <a:xfrm>
+              <a:off x="4241541" y="1237375"/>
+              <a:ext cx="808990" cy="180340"/>
+              <a:chOff x="2614" y="839"/>
+              <a:chExt cx="1274" cy="284"/>
+            </a:xfrm>
+            <a:solidFill>
+              <a:schemeClr val="bg1">
+                <a:lumMod val="75000"/>
+              </a:schemeClr>
+            </a:solidFill>
+          </p:grpSpPr>
+          <p:sp>
+            <p:nvSpPr>
+              <p:cNvPr id="372" name="矩形 371"/>
+              <p:cNvSpPr/>
+              <p:nvPr/>
+            </p:nvSpPr>
+            <p:spPr>
+              <a:xfrm>
+                <a:off x="2614" y="839"/>
+                <a:ext cx="159" cy="284"/>
+              </a:xfrm>
+              <a:prstGeom prst="rect">
+                <a:avLst/>
+              </a:prstGeom>
+              <a:grpFill/>
+              <a:ln w="12700" cmpd="sng">
+                <a:solidFill>
+                  <a:schemeClr val="bg1">
+                    <a:lumMod val="50000"/>
+                  </a:schemeClr>
+                </a:solidFill>
+                <a:prstDash val="solid"/>
+              </a:ln>
+            </p:spPr>
+            <p:style>
+              <a:lnRef idx="2">
+                <a:schemeClr val="accent1">
+                  <a:shade val="50000"/>
                 </a:schemeClr>
-              </a:solidFill>
-              <a:prstDash val="solid"/>
-            </a:ln>
-          </p:spPr>
-          <p:style>
-            <a:lnRef idx="2">
-              <a:schemeClr val="accent1">
-                <a:shade val="50000"/>
-              </a:schemeClr>
-            </a:lnRef>
-            <a:fillRef idx="1">
-              <a:schemeClr val="accent1"/>
-            </a:fillRef>
-            <a:effectRef idx="0">
-              <a:schemeClr val="accent1"/>
-            </a:effectRef>
-            <a:fontRef idx="minor">
-              <a:schemeClr val="lt1"/>
-            </a:fontRef>
-          </p:style>
-          <p:txBody>
-            <a:bodyPr rtlCol="0" anchor="ctr"/>
-            <a:lstStyle/>
-            <a:p>
-              <a:pPr algn="ctr"/>
-              <a:endParaRPr lang="zh-CN" altLang="en-US" sz="100"/>
-            </a:p>
-          </p:txBody>
-        </p:sp>
-        <p:sp>
-          <p:nvSpPr>
-            <p:cNvPr id="12" name="矩形 11"/>
-            <p:cNvSpPr/>
-            <p:nvPr/>
-          </p:nvSpPr>
-          <p:spPr>
-            <a:xfrm>
-              <a:off x="3571" y="839"/>
-              <a:ext cx="159" cy="284"/>
-            </a:xfrm>
-            <a:prstGeom prst="rect">
-              <a:avLst/>
-            </a:prstGeom>
-            <a:grpFill/>
-            <a:ln w="12700" cmpd="sng">
-              <a:solidFill>
-                <a:schemeClr val="bg1">
-                  <a:lumMod val="50000"/>
+              </a:lnRef>
+              <a:fillRef idx="1">
+                <a:schemeClr val="accent1"/>
+              </a:fillRef>
+              <a:effectRef idx="0">
+                <a:schemeClr val="accent1"/>
+              </a:effectRef>
+              <a:fontRef idx="minor">
+                <a:schemeClr val="lt1"/>
+              </a:fontRef>
+            </p:style>
+            <p:txBody>
+              <a:bodyPr rtlCol="0" anchor="ctr"/>
+              <a:lstStyle/>
+              <a:p>
+                <a:pPr algn="ctr"/>
+                <a:endParaRPr lang="zh-CN" altLang="en-US" sz="100"/>
+              </a:p>
+            </p:txBody>
+          </p:sp>
+          <p:sp>
+            <p:nvSpPr>
+              <p:cNvPr id="373" name="矩形 372"/>
+              <p:cNvSpPr/>
+              <p:nvPr/>
+            </p:nvSpPr>
+            <p:spPr>
+              <a:xfrm>
+                <a:off x="2773" y="839"/>
+                <a:ext cx="159" cy="284"/>
+              </a:xfrm>
+              <a:prstGeom prst="rect">
+                <a:avLst/>
+              </a:prstGeom>
+              <a:grpFill/>
+              <a:ln w="12700" cmpd="sng">
+                <a:solidFill>
+                  <a:schemeClr val="bg1">
+                    <a:lumMod val="50000"/>
+                  </a:schemeClr>
+                </a:solidFill>
+                <a:prstDash val="solid"/>
+              </a:ln>
+            </p:spPr>
+            <p:style>
+              <a:lnRef idx="2">
+                <a:schemeClr val="accent1">
+                  <a:shade val="50000"/>
                 </a:schemeClr>
-              </a:solidFill>
-              <a:prstDash val="solid"/>
-            </a:ln>
-          </p:spPr>
-          <p:style>
-            <a:lnRef idx="2">
-              <a:schemeClr val="accent1">
-                <a:shade val="50000"/>
-              </a:schemeClr>
-            </a:lnRef>
-            <a:fillRef idx="1">
-              <a:schemeClr val="accent1"/>
-            </a:fillRef>
-            <a:effectRef idx="0">
-              <a:schemeClr val="accent1"/>
-            </a:effectRef>
-            <a:fontRef idx="minor">
-              <a:schemeClr val="lt1"/>
-            </a:fontRef>
-          </p:style>
-          <p:txBody>
-            <a:bodyPr rtlCol="0" anchor="ctr"/>
-            <a:lstStyle/>
-            <a:p>
-              <a:pPr algn="ctr"/>
-              <a:endParaRPr lang="zh-CN" altLang="en-US" sz="100"/>
-            </a:p>
-          </p:txBody>
-        </p:sp>
-        <p:sp>
-          <p:nvSpPr>
-            <p:cNvPr id="13" name="矩形 12"/>
-            <p:cNvSpPr/>
-            <p:nvPr/>
-          </p:nvSpPr>
-          <p:spPr>
-            <a:xfrm>
-              <a:off x="3730" y="839"/>
-              <a:ext cx="159" cy="284"/>
-            </a:xfrm>
-            <a:prstGeom prst="rect">
-              <a:avLst/>
-            </a:prstGeom>
-            <a:grpFill/>
-            <a:ln w="12700" cmpd="sng">
-              <a:solidFill>
-                <a:schemeClr val="bg1">
-                  <a:lumMod val="50000"/>
+              </a:lnRef>
+              <a:fillRef idx="1">
+                <a:schemeClr val="accent1"/>
+              </a:fillRef>
+              <a:effectRef idx="0">
+                <a:schemeClr val="accent1"/>
+              </a:effectRef>
+              <a:fontRef idx="minor">
+                <a:schemeClr val="lt1"/>
+              </a:fontRef>
+            </p:style>
+            <p:txBody>
+              <a:bodyPr rtlCol="0" anchor="ctr"/>
+              <a:lstStyle/>
+              <a:p>
+                <a:pPr algn="ctr"/>
+                <a:endParaRPr lang="zh-CN" altLang="en-US" sz="100"/>
+              </a:p>
+            </p:txBody>
+          </p:sp>
+          <p:sp>
+            <p:nvSpPr>
+              <p:cNvPr id="374" name="矩形 373"/>
+              <p:cNvSpPr/>
+              <p:nvPr/>
+            </p:nvSpPr>
+            <p:spPr>
+              <a:xfrm>
+                <a:off x="2933" y="839"/>
+                <a:ext cx="159" cy="284"/>
+              </a:xfrm>
+              <a:prstGeom prst="rect">
+                <a:avLst/>
+              </a:prstGeom>
+              <a:grpFill/>
+              <a:ln w="12700" cmpd="sng">
+                <a:solidFill>
+                  <a:schemeClr val="bg1">
+                    <a:lumMod val="50000"/>
+                  </a:schemeClr>
+                </a:solidFill>
+                <a:prstDash val="solid"/>
+              </a:ln>
+            </p:spPr>
+            <p:style>
+              <a:lnRef idx="2">
+                <a:schemeClr val="accent1">
+                  <a:shade val="50000"/>
                 </a:schemeClr>
-              </a:solidFill>
-              <a:prstDash val="solid"/>
-            </a:ln>
-          </p:spPr>
-          <p:style>
-            <a:lnRef idx="2">
-              <a:schemeClr val="accent1">
-                <a:shade val="50000"/>
-              </a:schemeClr>
-            </a:lnRef>
-            <a:fillRef idx="1">
-              <a:schemeClr val="accent1"/>
-            </a:fillRef>
-            <a:effectRef idx="0">
-              <a:schemeClr val="accent1"/>
-            </a:effectRef>
-            <a:fontRef idx="minor">
-              <a:schemeClr val="lt1"/>
-            </a:fontRef>
-          </p:style>
-          <p:txBody>
-            <a:bodyPr rtlCol="0" anchor="ctr"/>
-            <a:lstStyle/>
-            <a:p>
-              <a:pPr algn="ctr"/>
-              <a:endParaRPr lang="zh-CN" altLang="en-US" sz="100"/>
-            </a:p>
-          </p:txBody>
-        </p:sp>
+              </a:lnRef>
+              <a:fillRef idx="1">
+                <a:schemeClr val="accent1"/>
+              </a:fillRef>
+              <a:effectRef idx="0">
+                <a:schemeClr val="accent1"/>
+              </a:effectRef>
+              <a:fontRef idx="minor">
+                <a:schemeClr val="lt1"/>
+              </a:fontRef>
+            </p:style>
+            <p:txBody>
+              <a:bodyPr rtlCol="0" anchor="ctr"/>
+              <a:lstStyle/>
+              <a:p>
+                <a:pPr algn="ctr"/>
+                <a:endParaRPr lang="zh-CN" altLang="en-US" sz="100"/>
+              </a:p>
+            </p:txBody>
+          </p:sp>
+          <p:sp>
+            <p:nvSpPr>
+              <p:cNvPr id="375" name="矩形 374"/>
+              <p:cNvSpPr/>
+              <p:nvPr/>
+            </p:nvSpPr>
+            <p:spPr>
+              <a:xfrm>
+                <a:off x="3092" y="839"/>
+                <a:ext cx="159" cy="284"/>
+              </a:xfrm>
+              <a:prstGeom prst="rect">
+                <a:avLst/>
+              </a:prstGeom>
+              <a:grpFill/>
+              <a:ln w="12700" cmpd="sng">
+                <a:solidFill>
+                  <a:schemeClr val="bg1">
+                    <a:lumMod val="50000"/>
+                  </a:schemeClr>
+                </a:solidFill>
+                <a:prstDash val="solid"/>
+              </a:ln>
+            </p:spPr>
+            <p:style>
+              <a:lnRef idx="2">
+                <a:schemeClr val="accent1">
+                  <a:shade val="50000"/>
+                </a:schemeClr>
+              </a:lnRef>
+              <a:fillRef idx="1">
+                <a:schemeClr val="accent1"/>
+              </a:fillRef>
+              <a:effectRef idx="0">
+                <a:schemeClr val="accent1"/>
+              </a:effectRef>
+              <a:fontRef idx="minor">
+                <a:schemeClr val="lt1"/>
+              </a:fontRef>
+            </p:style>
+            <p:txBody>
+              <a:bodyPr rtlCol="0" anchor="ctr"/>
+              <a:lstStyle/>
+              <a:p>
+                <a:pPr algn="ctr"/>
+                <a:endParaRPr lang="zh-CN" altLang="en-US" sz="100"/>
+              </a:p>
+            </p:txBody>
+          </p:sp>
+          <p:sp>
+            <p:nvSpPr>
+              <p:cNvPr id="376" name="矩形 375"/>
+              <p:cNvSpPr/>
+              <p:nvPr/>
+            </p:nvSpPr>
+            <p:spPr>
+              <a:xfrm>
+                <a:off x="3252" y="839"/>
+                <a:ext cx="159" cy="284"/>
+              </a:xfrm>
+              <a:prstGeom prst="rect">
+                <a:avLst/>
+              </a:prstGeom>
+              <a:grpFill/>
+              <a:ln w="12700" cmpd="sng">
+                <a:solidFill>
+                  <a:schemeClr val="bg1">
+                    <a:lumMod val="50000"/>
+                  </a:schemeClr>
+                </a:solidFill>
+                <a:prstDash val="solid"/>
+              </a:ln>
+            </p:spPr>
+            <p:style>
+              <a:lnRef idx="2">
+                <a:schemeClr val="accent1">
+                  <a:shade val="50000"/>
+                </a:schemeClr>
+              </a:lnRef>
+              <a:fillRef idx="1">
+                <a:schemeClr val="accent1"/>
+              </a:fillRef>
+              <a:effectRef idx="0">
+                <a:schemeClr val="accent1"/>
+              </a:effectRef>
+              <a:fontRef idx="minor">
+                <a:schemeClr val="lt1"/>
+              </a:fontRef>
+            </p:style>
+            <p:txBody>
+              <a:bodyPr rtlCol="0" anchor="ctr"/>
+              <a:lstStyle/>
+              <a:p>
+                <a:pPr algn="ctr"/>
+                <a:endParaRPr lang="zh-CN" altLang="en-US" sz="100"/>
+              </a:p>
+            </p:txBody>
+          </p:sp>
+          <p:sp>
+            <p:nvSpPr>
+              <p:cNvPr id="11" name="矩形 10"/>
+              <p:cNvSpPr/>
+              <p:nvPr/>
+            </p:nvSpPr>
+            <p:spPr>
+              <a:xfrm>
+                <a:off x="3411" y="839"/>
+                <a:ext cx="159" cy="284"/>
+              </a:xfrm>
+              <a:prstGeom prst="rect">
+                <a:avLst/>
+              </a:prstGeom>
+              <a:grpFill/>
+              <a:ln w="12700" cmpd="sng">
+                <a:solidFill>
+                  <a:schemeClr val="bg1">
+                    <a:lumMod val="50000"/>
+                  </a:schemeClr>
+                </a:solidFill>
+                <a:prstDash val="solid"/>
+              </a:ln>
+            </p:spPr>
+            <p:style>
+              <a:lnRef idx="2">
+                <a:schemeClr val="accent1">
+                  <a:shade val="50000"/>
+                </a:schemeClr>
+              </a:lnRef>
+              <a:fillRef idx="1">
+                <a:schemeClr val="accent1"/>
+              </a:fillRef>
+              <a:effectRef idx="0">
+                <a:schemeClr val="accent1"/>
+              </a:effectRef>
+              <a:fontRef idx="minor">
+                <a:schemeClr val="lt1"/>
+              </a:fontRef>
+            </p:style>
+            <p:txBody>
+              <a:bodyPr rtlCol="0" anchor="ctr"/>
+              <a:lstStyle/>
+              <a:p>
+                <a:pPr algn="ctr"/>
+                <a:endParaRPr lang="zh-CN" altLang="en-US" sz="100"/>
+              </a:p>
+            </p:txBody>
+          </p:sp>
+          <p:sp>
+            <p:nvSpPr>
+              <p:cNvPr id="12" name="矩形 11"/>
+              <p:cNvSpPr/>
+              <p:nvPr/>
+            </p:nvSpPr>
+            <p:spPr>
+              <a:xfrm>
+                <a:off x="3571" y="839"/>
+                <a:ext cx="159" cy="284"/>
+              </a:xfrm>
+              <a:prstGeom prst="rect">
+                <a:avLst/>
+              </a:prstGeom>
+              <a:grpFill/>
+              <a:ln w="12700" cmpd="sng">
+                <a:solidFill>
+                  <a:schemeClr val="bg1">
+                    <a:lumMod val="50000"/>
+                  </a:schemeClr>
+                </a:solidFill>
+                <a:prstDash val="solid"/>
+              </a:ln>
+            </p:spPr>
+            <p:style>
+              <a:lnRef idx="2">
+                <a:schemeClr val="accent1">
+                  <a:shade val="50000"/>
+                </a:schemeClr>
+              </a:lnRef>
+              <a:fillRef idx="1">
+                <a:schemeClr val="accent1"/>
+              </a:fillRef>
+              <a:effectRef idx="0">
+                <a:schemeClr val="accent1"/>
+              </a:effectRef>
+              <a:fontRef idx="minor">
+                <a:schemeClr val="lt1"/>
+              </a:fontRef>
+            </p:style>
+            <p:txBody>
+              <a:bodyPr rtlCol="0" anchor="ctr"/>
+              <a:lstStyle/>
+              <a:p>
+                <a:pPr algn="ctr"/>
+                <a:endParaRPr lang="zh-CN" altLang="en-US" sz="100"/>
+              </a:p>
+            </p:txBody>
+          </p:sp>
+          <p:sp>
+            <p:nvSpPr>
+              <p:cNvPr id="13" name="矩形 12"/>
+              <p:cNvSpPr/>
+              <p:nvPr/>
+            </p:nvSpPr>
+            <p:spPr>
+              <a:xfrm>
+                <a:off x="3730" y="839"/>
+                <a:ext cx="159" cy="284"/>
+              </a:xfrm>
+              <a:prstGeom prst="rect">
+                <a:avLst/>
+              </a:prstGeom>
+              <a:grpFill/>
+              <a:ln w="12700" cmpd="sng">
+                <a:solidFill>
+                  <a:schemeClr val="bg1">
+                    <a:lumMod val="50000"/>
+                  </a:schemeClr>
+                </a:solidFill>
+                <a:prstDash val="solid"/>
+              </a:ln>
+            </p:spPr>
+            <p:style>
+              <a:lnRef idx="2">
+                <a:schemeClr val="accent1">
+                  <a:shade val="50000"/>
+                </a:schemeClr>
+              </a:lnRef>
+              <a:fillRef idx="1">
+                <a:schemeClr val="accent1"/>
+              </a:fillRef>
+              <a:effectRef idx="0">
+                <a:schemeClr val="accent1"/>
+              </a:effectRef>
+              <a:fontRef idx="minor">
+                <a:schemeClr val="lt1"/>
+              </a:fontRef>
+            </p:style>
+            <p:txBody>
+              <a:bodyPr rtlCol="0" anchor="ctr"/>
+              <a:lstStyle/>
+              <a:p>
+                <a:pPr algn="ctr"/>
+                <a:endParaRPr lang="zh-CN" altLang="en-US" sz="100"/>
+              </a:p>
+            </p:txBody>
+          </p:sp>
+        </p:grpSp>
       </p:grpSp>
       <p:sp>
         <p:nvSpPr>
@@ -10213,8 +10259,8 @@
         </p:nvSpPr>
         <p:spPr>
           <a:xfrm>
-            <a:off x="376355" y="1907133"/>
-            <a:ext cx="1993123" cy="367787"/>
+            <a:off x="376354" y="1907133"/>
+            <a:ext cx="2277369" cy="367787"/>
           </a:xfrm>
           <a:prstGeom prst="roundRect">
             <a:avLst/>
@@ -10276,8 +10322,8 @@
         </p:nvSpPr>
         <p:spPr>
           <a:xfrm>
-            <a:off x="376355" y="2564386"/>
-            <a:ext cx="1993123" cy="367787"/>
+            <a:off x="376354" y="2564386"/>
+            <a:ext cx="2277369" cy="367787"/>
           </a:xfrm>
           <a:prstGeom prst="roundRect">
             <a:avLst/>
@@ -10343,18 +10389,19 @@
         </p:nvCxnSpPr>
         <p:spPr>
           <a:xfrm>
-            <a:off x="1372917" y="2274920"/>
+            <a:off x="1515039" y="2274920"/>
             <a:ext cx="0" cy="289466"/>
           </a:xfrm>
           <a:prstGeom prst="straightConnector1">
             <a:avLst/>
           </a:prstGeom>
-          <a:ln w="22225">
+          <a:ln w="25400" cmpd="sng">
             <a:solidFill>
               <a:schemeClr val="bg1">
                 <a:lumMod val="50000"/>
               </a:schemeClr>
             </a:solidFill>
+            <a:prstDash val="solid"/>
             <a:tailEnd type="arrow"/>
           </a:ln>
         </p:spPr>
@@ -10389,8 +10436,8 @@
         </p:nvCxnSpPr>
         <p:spPr>
           <a:xfrm flipV="1">
-            <a:off x="2319006" y="802452"/>
-            <a:ext cx="648869" cy="1137233"/>
+            <a:off x="2639921" y="1176846"/>
+            <a:ext cx="289981" cy="754342"/>
           </a:xfrm>
           <a:prstGeom prst="line">
             <a:avLst/>
@@ -10436,8 +10483,8 @@
         </p:nvCxnSpPr>
         <p:spPr>
           <a:xfrm>
-            <a:off x="2305257" y="2290522"/>
-            <a:ext cx="625291" cy="469919"/>
+            <a:off x="2625784" y="2309255"/>
+            <a:ext cx="295091" cy="997287"/>
           </a:xfrm>
           <a:prstGeom prst="line">
             <a:avLst/>
@@ -10481,8 +10528,8 @@
         </p:nvSpPr>
         <p:spPr>
           <a:xfrm>
-            <a:off x="376355" y="1249880"/>
-            <a:ext cx="1993123" cy="367787"/>
+            <a:off x="376354" y="1249880"/>
+            <a:ext cx="2277369" cy="367787"/>
           </a:xfrm>
           <a:prstGeom prst="roundRect">
             <a:avLst/>
@@ -10544,8 +10591,8 @@
         </p:nvSpPr>
         <p:spPr>
           <a:xfrm>
-            <a:off x="376355" y="3221640"/>
-            <a:ext cx="1993123" cy="367787"/>
+            <a:off x="376354" y="3221640"/>
+            <a:ext cx="2277369" cy="367787"/>
           </a:xfrm>
           <a:prstGeom prst="roundRect">
             <a:avLst/>
@@ -10611,18 +10658,19 @@
         </p:nvCxnSpPr>
         <p:spPr>
           <a:xfrm>
-            <a:off x="1372917" y="2932173"/>
+            <a:off x="1515039" y="2932173"/>
             <a:ext cx="0" cy="289467"/>
           </a:xfrm>
           <a:prstGeom prst="straightConnector1">
             <a:avLst/>
           </a:prstGeom>
-          <a:ln w="22225">
+          <a:ln w="25400" cmpd="sng">
             <a:solidFill>
               <a:schemeClr val="bg1">
                 <a:lumMod val="50000"/>
               </a:schemeClr>
             </a:solidFill>
+            <a:prstDash val="solid"/>
             <a:tailEnd type="arrow"/>
           </a:ln>
         </p:spPr>
@@ -10649,7 +10697,7 @@
         </p:nvSpPr>
         <p:spPr>
           <a:xfrm>
-            <a:off x="1432920" y="1639289"/>
+            <a:off x="1535073" y="1610050"/>
             <a:ext cx="1600232" cy="246221"/>
           </a:xfrm>
           <a:prstGeom prst="rect">
@@ -10696,7 +10744,7 @@
         <p:spPr>
           <a:xfrm flipV="1">
             <a:off x="6246088" y="1991718"/>
-            <a:ext cx="407262" cy="636684"/>
+            <a:ext cx="407262" cy="1191356"/>
           </a:xfrm>
           <a:prstGeom prst="bentConnector3">
             <a:avLst>
@@ -10859,7 +10907,7 @@
           </a:solidFill>
           <a:ln>
             <a:solidFill>
-              <a:srgbClr val="E3C496"/>
+              <a:srgbClr val="FFC000"/>
             </a:solidFill>
           </a:ln>
         </p:spPr>
